--- a/Amlin.pptx
+++ b/Amlin.pptx
@@ -10,13 +10,17 @@
     <p:sldId id="258" r:id="rId7"/>
     <p:sldId id="259" r:id="rId8"/>
     <p:sldId id="260" r:id="rId9"/>
-    <p:sldId id="263" r:id="rId10"/>
-    <p:sldId id="261" r:id="rId11"/>
-    <p:sldId id="264" r:id="rId12"/>
-    <p:sldId id="265" r:id="rId13"/>
-    <p:sldId id="262" r:id="rId14"/>
-    <p:sldId id="271" r:id="rId15"/>
-    <p:sldId id="272" r:id="rId16"/>
+    <p:sldId id="273" r:id="rId10"/>
+    <p:sldId id="274" r:id="rId11"/>
+    <p:sldId id="275" r:id="rId12"/>
+    <p:sldId id="276" r:id="rId13"/>
+    <p:sldId id="263" r:id="rId14"/>
+    <p:sldId id="261" r:id="rId15"/>
+    <p:sldId id="264" r:id="rId16"/>
+    <p:sldId id="265" r:id="rId17"/>
+    <p:sldId id="262" r:id="rId18"/>
+    <p:sldId id="271" r:id="rId19"/>
+    <p:sldId id="272" r:id="rId20"/>
   </p:sldIdLst>
   <p:sldSz cx="12192000" cy="6858000"/>
   <p:notesSz cx="6858000" cy="9144000"/>
@@ -254,7 +258,7 @@
           <a:p>
             <a:fld id="{B4CC903C-048C-4BBF-B6C5-137BA173BB8B}" type="datetimeFigureOut">
               <a:rPr lang="en-GB" smtClean="0"/>
-              <a:t>30/01/2017</a:t>
+              <a:t>31/01/2017</a:t>
             </a:fld>
             <a:endParaRPr lang="en-GB"/>
           </a:p>
@@ -424,7 +428,7 @@
           <a:p>
             <a:fld id="{B4CC903C-048C-4BBF-B6C5-137BA173BB8B}" type="datetimeFigureOut">
               <a:rPr lang="en-GB" smtClean="0"/>
-              <a:t>30/01/2017</a:t>
+              <a:t>31/01/2017</a:t>
             </a:fld>
             <a:endParaRPr lang="en-GB"/>
           </a:p>
@@ -604,7 +608,7 @@
           <a:p>
             <a:fld id="{B4CC903C-048C-4BBF-B6C5-137BA173BB8B}" type="datetimeFigureOut">
               <a:rPr lang="en-GB" smtClean="0"/>
-              <a:t>30/01/2017</a:t>
+              <a:t>31/01/2017</a:t>
             </a:fld>
             <a:endParaRPr lang="en-GB"/>
           </a:p>
@@ -774,7 +778,7 @@
           <a:p>
             <a:fld id="{B4CC903C-048C-4BBF-B6C5-137BA173BB8B}" type="datetimeFigureOut">
               <a:rPr lang="en-GB" smtClean="0"/>
-              <a:t>30/01/2017</a:t>
+              <a:t>31/01/2017</a:t>
             </a:fld>
             <a:endParaRPr lang="en-GB"/>
           </a:p>
@@ -1020,7 +1024,7 @@
           <a:p>
             <a:fld id="{B4CC903C-048C-4BBF-B6C5-137BA173BB8B}" type="datetimeFigureOut">
               <a:rPr lang="en-GB" smtClean="0"/>
-              <a:t>30/01/2017</a:t>
+              <a:t>31/01/2017</a:t>
             </a:fld>
             <a:endParaRPr lang="en-GB"/>
           </a:p>
@@ -1252,7 +1256,7 @@
           <a:p>
             <a:fld id="{B4CC903C-048C-4BBF-B6C5-137BA173BB8B}" type="datetimeFigureOut">
               <a:rPr lang="en-GB" smtClean="0"/>
-              <a:t>30/01/2017</a:t>
+              <a:t>31/01/2017</a:t>
             </a:fld>
             <a:endParaRPr lang="en-GB"/>
           </a:p>
@@ -1619,7 +1623,7 @@
           <a:p>
             <a:fld id="{B4CC903C-048C-4BBF-B6C5-137BA173BB8B}" type="datetimeFigureOut">
               <a:rPr lang="en-GB" smtClean="0"/>
-              <a:t>30/01/2017</a:t>
+              <a:t>31/01/2017</a:t>
             </a:fld>
             <a:endParaRPr lang="en-GB"/>
           </a:p>
@@ -1737,7 +1741,7 @@
           <a:p>
             <a:fld id="{B4CC903C-048C-4BBF-B6C5-137BA173BB8B}" type="datetimeFigureOut">
               <a:rPr lang="en-GB" smtClean="0"/>
-              <a:t>30/01/2017</a:t>
+              <a:t>31/01/2017</a:t>
             </a:fld>
             <a:endParaRPr lang="en-GB"/>
           </a:p>
@@ -1832,7 +1836,7 @@
           <a:p>
             <a:fld id="{B4CC903C-048C-4BBF-B6C5-137BA173BB8B}" type="datetimeFigureOut">
               <a:rPr lang="en-GB" smtClean="0"/>
-              <a:t>30/01/2017</a:t>
+              <a:t>31/01/2017</a:t>
             </a:fld>
             <a:endParaRPr lang="en-GB"/>
           </a:p>
@@ -2109,7 +2113,7 @@
           <a:p>
             <a:fld id="{B4CC903C-048C-4BBF-B6C5-137BA173BB8B}" type="datetimeFigureOut">
               <a:rPr lang="en-GB" smtClean="0"/>
-              <a:t>30/01/2017</a:t>
+              <a:t>31/01/2017</a:t>
             </a:fld>
             <a:endParaRPr lang="en-GB"/>
           </a:p>
@@ -2362,7 +2366,7 @@
           <a:p>
             <a:fld id="{B4CC903C-048C-4BBF-B6C5-137BA173BB8B}" type="datetimeFigureOut">
               <a:rPr lang="en-GB" smtClean="0"/>
-              <a:t>30/01/2017</a:t>
+              <a:t>31/01/2017</a:t>
             </a:fld>
             <a:endParaRPr lang="en-GB"/>
           </a:p>
@@ -2575,7 +2579,7 @@
           <a:p>
             <a:fld id="{B4CC903C-048C-4BBF-B6C5-137BA173BB8B}" type="datetimeFigureOut">
               <a:rPr lang="en-GB" smtClean="0"/>
-              <a:t>30/01/2017</a:t>
+              <a:t>31/01/2017</a:t>
             </a:fld>
             <a:endParaRPr lang="en-GB"/>
           </a:p>
@@ -3079,7 +3083,7 @@
         <p:spPr>
           <a:xfrm>
             <a:off x="781235" y="452761"/>
-            <a:ext cx="3932808" cy="954107"/>
+            <a:ext cx="3932808" cy="523220"/>
           </a:xfrm>
           <a:prstGeom prst="rect">
             <a:avLst/>
@@ -3096,7 +3100,7 @@
               <a:rPr lang="en-GB" sz="2800" b="1" dirty="0" smtClean="0">
                 <a:latin typeface="Futura LT Pro Book" panose="020B0502020204020303" pitchFamily="34" charset="0"/>
               </a:rPr>
-              <a:t>Lowering the Number of Breaches</a:t>
+              <a:t>GPDR</a:t>
             </a:r>
             <a:endParaRPr lang="en-GB" sz="2800" b="1" dirty="0">
               <a:latin typeface="Futura LT Pro Book" panose="020B0502020204020303" pitchFamily="34" charset="0"/>
@@ -3113,7 +3117,7 @@
         <p:spPr>
           <a:xfrm>
             <a:off x="781235" y="1589104"/>
-            <a:ext cx="8336132" cy="3970318"/>
+            <a:ext cx="8336132" cy="4062651"/>
           </a:xfrm>
           <a:prstGeom prst="rect">
             <a:avLst/>
@@ -3126,107 +3130,140 @@
           </a:bodyPr>
           <a:lstStyle/>
           <a:p>
-            <a:pPr lvl="0"/>
-            <a:r>
-              <a:rPr lang="en-GB" dirty="0"/>
-              <a:t>I believe that </a:t>
-            </a:r>
-            <a:r>
-              <a:rPr lang="en-GB" dirty="0" smtClean="0"/>
-              <a:t>SMEs </a:t>
-            </a:r>
-            <a:r>
-              <a:rPr lang="en-GB" dirty="0"/>
-              <a:t>should begin to</a:t>
-            </a:r>
-            <a:r>
-              <a:rPr lang="en-GB" dirty="0" smtClean="0"/>
-              <a:t>:</a:t>
-            </a:r>
-          </a:p>
-          <a:p>
-            <a:pPr lvl="0"/>
-            <a:endParaRPr lang="en-GB" dirty="0"/>
-          </a:p>
-          <a:p>
-            <a:pPr marL="342900" lvl="0" indent="-342900">
-              <a:buFont typeface="+mj-lt"/>
-              <a:buAutoNum type="arabicPeriod"/>
-            </a:pPr>
-            <a:r>
-              <a:rPr lang="en-GB" dirty="0"/>
-              <a:t>Partner with a trusted firm to provide relevant advice related to their security infrastructure, including technical testing such as security audits and penetration testing to determine where the firm’s weaknesses lie and improve organisational </a:t>
-            </a:r>
-            <a:r>
-              <a:rPr lang="en-GB" dirty="0" smtClean="0"/>
-              <a:t>readiness.</a:t>
-            </a:r>
-          </a:p>
-          <a:p>
-            <a:pPr marL="342900" lvl="0" indent="-342900">
-              <a:buFont typeface="+mj-lt"/>
-              <a:buAutoNum type="arabicPeriod"/>
-            </a:pPr>
-            <a:endParaRPr lang="en-GB" dirty="0"/>
-          </a:p>
-          <a:p>
-            <a:pPr marL="342900" lvl="0" indent="-342900">
-              <a:buFont typeface="+mj-lt"/>
-              <a:buAutoNum type="arabicPeriod"/>
-            </a:pPr>
-            <a:r>
-              <a:rPr lang="en-GB" dirty="0"/>
-              <a:t>Monitor networks for unusually high traffic </a:t>
-            </a:r>
-            <a:r>
-              <a:rPr lang="en-GB" dirty="0" smtClean="0"/>
-              <a:t>volume.</a:t>
-            </a:r>
-          </a:p>
-          <a:p>
-            <a:pPr marL="342900" lvl="0" indent="-342900">
-              <a:buFont typeface="+mj-lt"/>
-              <a:buAutoNum type="arabicPeriod"/>
-            </a:pPr>
-            <a:endParaRPr lang="en-GB" dirty="0"/>
-          </a:p>
-          <a:p>
-            <a:pPr marL="342900" lvl="0" indent="-342900">
-              <a:buFont typeface="+mj-lt"/>
-              <a:buAutoNum type="arabicPeriod"/>
-            </a:pPr>
-            <a:r>
-              <a:rPr lang="en-GB" dirty="0"/>
-              <a:t>Work with their financial institution to implement multi-factor authentication and dual controls for financial </a:t>
-            </a:r>
-            <a:r>
-              <a:rPr lang="en-GB" dirty="0" smtClean="0"/>
-              <a:t>transactions.</a:t>
-            </a:r>
-          </a:p>
-          <a:p>
-            <a:pPr marL="342900" lvl="0" indent="-342900">
-              <a:buFont typeface="+mj-lt"/>
-              <a:buAutoNum type="arabicPeriod"/>
-            </a:pPr>
-            <a:endParaRPr lang="en-GB" dirty="0"/>
-          </a:p>
-          <a:p>
-            <a:pPr marL="342900" lvl="0" indent="-342900">
-              <a:buFont typeface="+mj-lt"/>
-              <a:buAutoNum type="arabicPeriod"/>
-            </a:pPr>
-            <a:r>
-              <a:rPr lang="en-GB" dirty="0"/>
-              <a:t>Educate employees regarding good security habits including stronger administrative passwords, policies regarding email attachments, etc.</a:t>
-            </a:r>
+            <a:pPr marL="285750" indent="-285750">
+              <a:buFont typeface="Arial" panose="020B0604020202020204" pitchFamily="34" charset="0"/>
+              <a:buChar char="•"/>
+            </a:pPr>
+            <a:r>
+              <a:rPr lang="en-GB" dirty="0" smtClean="0">
+                <a:latin typeface="Futura LT Pro Book" panose="020B0502020204020303" pitchFamily="34" charset="0"/>
+              </a:rPr>
+              <a:t>Although </a:t>
+            </a:r>
+            <a:r>
+              <a:rPr lang="en-GB" dirty="0">
+                <a:latin typeface="Futura LT Pro Book" panose="020B0502020204020303" pitchFamily="34" charset="0"/>
+              </a:rPr>
+              <a:t>GDPR doesn’t affect the US, I thought I’d outline the fines associated. </a:t>
+            </a:r>
+            <a:endParaRPr lang="en-GB" dirty="0" smtClean="0">
+              <a:latin typeface="Futura LT Pro Book" panose="020B0502020204020303" pitchFamily="34" charset="0"/>
+            </a:endParaRPr>
+          </a:p>
+          <a:p>
+            <a:pPr marL="285750" indent="-285750">
+              <a:buFont typeface="Arial" panose="020B0604020202020204" pitchFamily="34" charset="0"/>
+              <a:buChar char="•"/>
+            </a:pPr>
+            <a:endParaRPr lang="en-GB" dirty="0">
+              <a:latin typeface="Futura LT Pro Book" panose="020B0502020204020303" pitchFamily="34" charset="0"/>
+            </a:endParaRPr>
+          </a:p>
+          <a:p>
+            <a:pPr marL="285750" indent="-285750">
+              <a:buFont typeface="Arial" panose="020B0604020202020204" pitchFamily="34" charset="0"/>
+              <a:buChar char="•"/>
+            </a:pPr>
+            <a:r>
+              <a:rPr lang="en-GB" dirty="0" smtClean="0">
+                <a:latin typeface="Futura LT Pro Book" panose="020B0502020204020303" pitchFamily="34" charset="0"/>
+              </a:rPr>
+              <a:t>A </a:t>
+            </a:r>
+            <a:r>
+              <a:rPr lang="en-GB" dirty="0">
+                <a:latin typeface="Futura LT Pro Book" panose="020B0502020204020303" pitchFamily="34" charset="0"/>
+              </a:rPr>
+              <a:t>two-tiered sanctions regime will apply. Breaches of some provisions by businesses, which law makers have deemed to be most important for data protection, could lead to fines of up to €20 million or 4% of global annual turnover for the preceding financial year, whichever is the greater, being levied by data watchdogs. </a:t>
+            </a:r>
+            <a:endParaRPr lang="en-GB" dirty="0" smtClean="0">
+              <a:latin typeface="Futura LT Pro Book" panose="020B0502020204020303" pitchFamily="34" charset="0"/>
+            </a:endParaRPr>
+          </a:p>
+          <a:p>
+            <a:pPr marL="285750" indent="-285750">
+              <a:buFont typeface="Arial" panose="020B0604020202020204" pitchFamily="34" charset="0"/>
+              <a:buChar char="•"/>
+            </a:pPr>
+            <a:endParaRPr lang="en-GB" dirty="0">
+              <a:latin typeface="Futura LT Pro Book" panose="020B0502020204020303" pitchFamily="34" charset="0"/>
+            </a:endParaRPr>
+          </a:p>
+          <a:p>
+            <a:pPr marL="285750" indent="-285750">
+              <a:buFont typeface="Arial" panose="020B0604020202020204" pitchFamily="34" charset="0"/>
+              <a:buChar char="•"/>
+            </a:pPr>
+            <a:r>
+              <a:rPr lang="en-GB" dirty="0" smtClean="0">
+                <a:latin typeface="Futura LT Pro Book" panose="020B0502020204020303" pitchFamily="34" charset="0"/>
+              </a:rPr>
+              <a:t>For </a:t>
+            </a:r>
+            <a:r>
+              <a:rPr lang="en-GB" dirty="0">
+                <a:latin typeface="Futura LT Pro Book" panose="020B0502020204020303" pitchFamily="34" charset="0"/>
+              </a:rPr>
+              <a:t>other breaches, the authorities could impose fines on companies of up to €10m or 2% of global annual turnover, whichever is </a:t>
+            </a:r>
+            <a:r>
+              <a:rPr lang="en-GB" dirty="0" smtClean="0">
+                <a:latin typeface="Futura LT Pro Book" panose="020B0502020204020303" pitchFamily="34" charset="0"/>
+              </a:rPr>
+              <a:t>greater.</a:t>
+            </a:r>
+          </a:p>
+          <a:p>
+            <a:pPr marL="285750" indent="-285750">
+              <a:buFont typeface="Arial" panose="020B0604020202020204" pitchFamily="34" charset="0"/>
+              <a:buChar char="•"/>
+            </a:pPr>
+            <a:endParaRPr lang="en-GB" dirty="0">
+              <a:latin typeface="Futura LT Pro Book" panose="020B0502020204020303" pitchFamily="34" charset="0"/>
+            </a:endParaRPr>
+          </a:p>
+          <a:p>
+            <a:pPr marL="285750" indent="-285750">
+              <a:buFont typeface="Arial" panose="020B0604020202020204" pitchFamily="34" charset="0"/>
+              <a:buChar char="•"/>
+            </a:pPr>
+            <a:r>
+              <a:rPr lang="en-GB" dirty="0" smtClean="0">
+                <a:latin typeface="Futura LT Pro Book" panose="020B0502020204020303" pitchFamily="34" charset="0"/>
+              </a:rPr>
+              <a:t>A huge emphasis on Cyber-Security in the EU. </a:t>
+            </a:r>
+          </a:p>
+          <a:p>
+            <a:pPr marL="285750" indent="-285750">
+              <a:buFont typeface="Arial" panose="020B0604020202020204" pitchFamily="34" charset="0"/>
+              <a:buChar char="•"/>
+            </a:pPr>
+            <a:endParaRPr lang="en-GB" sz="1200" dirty="0">
+              <a:solidFill>
+                <a:srgbClr val="C00000"/>
+              </a:solidFill>
+              <a:latin typeface="Futura LT Pro Book" panose="020B0502020204020303" pitchFamily="34" charset="0"/>
+            </a:endParaRPr>
+          </a:p>
+          <a:p>
+            <a:pPr marL="285750" indent="-285750">
+              <a:buFont typeface="Arial" panose="020B0604020202020204" pitchFamily="34" charset="0"/>
+              <a:buChar char="•"/>
+            </a:pPr>
+            <a:endParaRPr lang="en-GB" sz="1200" dirty="0">
+              <a:solidFill>
+                <a:srgbClr val="C00000"/>
+              </a:solidFill>
+              <a:latin typeface="Futura LT Pro Book" panose="020B0502020204020303" pitchFamily="34" charset="0"/>
+            </a:endParaRPr>
           </a:p>
         </p:txBody>
       </p:sp>
     </p:spTree>
     <p:extLst>
       <p:ext uri="{BB962C8B-B14F-4D97-AF65-F5344CB8AC3E}">
-        <p14:creationId xmlns:p14="http://schemas.microsoft.com/office/powerpoint/2010/main" val="3912874280"/>
+        <p14:creationId xmlns:p14="http://schemas.microsoft.com/office/powerpoint/2010/main" val="4247266274"/>
       </p:ext>
     </p:extLst>
   </p:cSld>
@@ -3291,6 +3328,1011 @@
         </p:nvSpPr>
         <p:spPr>
           <a:xfrm>
+            <a:off x="781235" y="452761"/>
+            <a:ext cx="3932808" cy="523220"/>
+          </a:xfrm>
+          <a:prstGeom prst="rect">
+            <a:avLst/>
+          </a:prstGeom>
+          <a:noFill/>
+        </p:spPr>
+        <p:txBody>
+          <a:bodyPr wrap="square" rtlCol="0">
+            <a:spAutoFit/>
+          </a:bodyPr>
+          <a:lstStyle/>
+          <a:p>
+            <a:r>
+              <a:rPr lang="en-GB" sz="2800" b="1" dirty="0" smtClean="0">
+                <a:latin typeface="Futura LT Pro Book" panose="020B0502020204020303" pitchFamily="34" charset="0"/>
+              </a:rPr>
+              <a:t>Other Studies</a:t>
+            </a:r>
+            <a:endParaRPr lang="en-GB" sz="2800" b="1" dirty="0">
+              <a:latin typeface="Futura LT Pro Book" panose="020B0502020204020303" pitchFamily="34" charset="0"/>
+            </a:endParaRPr>
+          </a:p>
+        </p:txBody>
+      </p:sp>
+      <p:sp>
+        <p:nvSpPr>
+          <p:cNvPr id="6" name="TextBox 5"/>
+          <p:cNvSpPr txBox="1"/>
+          <p:nvPr/>
+        </p:nvSpPr>
+        <p:spPr>
+          <a:xfrm>
+            <a:off x="781235" y="1589104"/>
+            <a:ext cx="8336132" cy="4801314"/>
+          </a:xfrm>
+          <a:prstGeom prst="rect">
+            <a:avLst/>
+          </a:prstGeom>
+          <a:noFill/>
+        </p:spPr>
+        <p:txBody>
+          <a:bodyPr wrap="square" rtlCol="0">
+            <a:spAutoFit/>
+          </a:bodyPr>
+          <a:lstStyle/>
+          <a:p>
+            <a:pPr marL="285750" lvl="0" indent="-285750">
+              <a:buFont typeface="Arial" panose="020B0604020202020204" pitchFamily="34" charset="0"/>
+              <a:buChar char="•"/>
+            </a:pPr>
+            <a:r>
+              <a:rPr lang="en-GB" dirty="0" smtClean="0"/>
+              <a:t>90</a:t>
+            </a:r>
+            <a:r>
+              <a:rPr lang="en-GB" dirty="0"/>
+              <a:t>% of large organisations reported breaches in 2015, up from 81% in 2014, while 74% of small organisations said they had been breached in 2015, up from 60% in 2014. </a:t>
+            </a:r>
+            <a:endParaRPr lang="en-GB" dirty="0" smtClean="0"/>
+          </a:p>
+          <a:p>
+            <a:pPr marL="285750" lvl="0" indent="-285750">
+              <a:buFont typeface="Arial" panose="020B0604020202020204" pitchFamily="34" charset="0"/>
+              <a:buChar char="•"/>
+            </a:pPr>
+            <a:endParaRPr lang="en-GB" dirty="0"/>
+          </a:p>
+          <a:p>
+            <a:pPr marL="285750" lvl="0" indent="-285750">
+              <a:buFont typeface="Arial" panose="020B0604020202020204" pitchFamily="34" charset="0"/>
+              <a:buChar char="•"/>
+            </a:pPr>
+            <a:r>
+              <a:rPr lang="en-GB" dirty="0" smtClean="0"/>
+              <a:t>PWC </a:t>
+            </a:r>
+            <a:r>
+              <a:rPr lang="en-GB" dirty="0"/>
+              <a:t>carried out </a:t>
+            </a:r>
+            <a:r>
+              <a:rPr lang="en-GB" dirty="0" smtClean="0"/>
+              <a:t>the 2015 </a:t>
+            </a:r>
+            <a:r>
+              <a:rPr lang="en-GB" dirty="0"/>
+              <a:t>Information </a:t>
+            </a:r>
+            <a:r>
+              <a:rPr lang="en-GB" dirty="0" smtClean="0"/>
+              <a:t>Security </a:t>
+            </a:r>
+            <a:r>
+              <a:rPr lang="en-GB" dirty="0"/>
+              <a:t>B</a:t>
+            </a:r>
+            <a:r>
+              <a:rPr lang="en-GB" dirty="0" smtClean="0"/>
+              <a:t>reaches </a:t>
+            </a:r>
+            <a:r>
+              <a:rPr lang="en-GB" dirty="0"/>
+              <a:t>S</a:t>
+            </a:r>
+            <a:r>
+              <a:rPr lang="en-GB" dirty="0" smtClean="0"/>
+              <a:t>urvey</a:t>
+            </a:r>
+            <a:r>
+              <a:rPr lang="en-GB" dirty="0"/>
+              <a:t>, regarding the UK. I feel that this study is very credible as it is backed by the UK government and </a:t>
+            </a:r>
+            <a:r>
+              <a:rPr lang="en-GB" dirty="0" smtClean="0"/>
+              <a:t>had </a:t>
+            </a:r>
+            <a:r>
+              <a:rPr lang="en-GB" dirty="0"/>
+              <a:t>644 respondents. </a:t>
+            </a:r>
+            <a:endParaRPr lang="en-GB" dirty="0" smtClean="0"/>
+          </a:p>
+          <a:p>
+            <a:pPr marL="285750" lvl="0" indent="-285750">
+              <a:buFont typeface="Arial" panose="020B0604020202020204" pitchFamily="34" charset="0"/>
+              <a:buChar char="•"/>
+            </a:pPr>
+            <a:endParaRPr lang="en-GB" dirty="0"/>
+          </a:p>
+          <a:p>
+            <a:pPr marL="285750" lvl="0" indent="-285750">
+              <a:buFont typeface="Arial" panose="020B0604020202020204" pitchFamily="34" charset="0"/>
+              <a:buChar char="•"/>
+            </a:pPr>
+            <a:r>
+              <a:rPr lang="en-GB" dirty="0" smtClean="0"/>
+              <a:t>The </a:t>
+            </a:r>
+            <a:r>
+              <a:rPr lang="en-GB" dirty="0"/>
+              <a:t>2016 Cost of Data Breach Study: United States carried out by Ponemon Institute LLC gains some valuable insights also. However, I </a:t>
+            </a:r>
+            <a:r>
+              <a:rPr lang="en-GB" dirty="0" smtClean="0"/>
+              <a:t>did not </a:t>
+            </a:r>
+            <a:r>
+              <a:rPr lang="en-GB" dirty="0"/>
+              <a:t>think it </a:t>
+            </a:r>
+            <a:r>
+              <a:rPr lang="en-GB" dirty="0" smtClean="0"/>
+              <a:t>would be </a:t>
+            </a:r>
+            <a:r>
+              <a:rPr lang="en-GB" dirty="0"/>
+              <a:t>accurate to draw conclusions from a study involving 64 companies. </a:t>
+            </a:r>
+            <a:endParaRPr lang="en-GB" dirty="0" smtClean="0"/>
+          </a:p>
+          <a:p>
+            <a:pPr marL="285750" lvl="0" indent="-285750">
+              <a:buFont typeface="Arial" panose="020B0604020202020204" pitchFamily="34" charset="0"/>
+              <a:buChar char="•"/>
+            </a:pPr>
+            <a:endParaRPr lang="en-GB" dirty="0"/>
+          </a:p>
+          <a:p>
+            <a:pPr marL="285750" indent="-285750">
+              <a:buFont typeface="Arial" panose="020B0604020202020204" pitchFamily="34" charset="0"/>
+              <a:buChar char="•"/>
+            </a:pPr>
+            <a:r>
+              <a:rPr lang="en-GB" dirty="0"/>
+              <a:t>According to last years’ Internet Security Report, 60% of all target attacks involved SMEs. </a:t>
+            </a:r>
+            <a:r>
+              <a:rPr lang="en-GB" dirty="0" smtClean="0"/>
+              <a:t> Also Ponemon </a:t>
+            </a:r>
+            <a:r>
+              <a:rPr lang="en-GB" dirty="0"/>
+              <a:t>Institute’s Cost of Data Breach Study revealed that in 2014 the average cost of attack for an SME with less than 100 employees was a massive $3.5 million. </a:t>
+            </a:r>
+          </a:p>
+          <a:p>
+            <a:pPr marL="285750" lvl="0" indent="-285750">
+              <a:buFont typeface="Arial" panose="020B0604020202020204" pitchFamily="34" charset="0"/>
+              <a:buChar char="•"/>
+            </a:pPr>
+            <a:endParaRPr lang="en-GB" dirty="0"/>
+          </a:p>
+        </p:txBody>
+      </p:sp>
+    </p:spTree>
+    <p:extLst>
+      <p:ext uri="{BB962C8B-B14F-4D97-AF65-F5344CB8AC3E}">
+        <p14:creationId xmlns:p14="http://schemas.microsoft.com/office/powerpoint/2010/main" val="8170478"/>
+      </p:ext>
+    </p:extLst>
+  </p:cSld>
+  <p:clrMapOvr>
+    <a:masterClrMapping/>
+  </p:clrMapOvr>
+</p:sld>
+</file>
+
+<file path=ppt/slides/slide12.xml><?xml version="1.0" encoding="utf-8"?>
+<p:sld xmlns:a="http://schemas.openxmlformats.org/drawingml/2006/main" xmlns:r="http://schemas.openxmlformats.org/officeDocument/2006/relationships" xmlns:p="http://schemas.openxmlformats.org/presentationml/2006/main">
+  <p:cSld>
+    <p:spTree>
+      <p:nvGrpSpPr>
+        <p:cNvPr id="1" name=""/>
+        <p:cNvGrpSpPr/>
+        <p:nvPr/>
+      </p:nvGrpSpPr>
+      <p:grpSpPr>
+        <a:xfrm>
+          <a:off x="0" y="0"/>
+          <a:ext cx="0" cy="0"/>
+          <a:chOff x="0" y="0"/>
+          <a:chExt cx="0" cy="0"/>
+        </a:xfrm>
+      </p:grpSpPr>
+      <p:pic>
+        <p:nvPicPr>
+          <p:cNvPr id="4" name="Picture 3"/>
+          <p:cNvPicPr>
+            <a:picLocks noChangeAspect="1"/>
+          </p:cNvPicPr>
+          <p:nvPr/>
+        </p:nvPicPr>
+        <p:blipFill>
+          <a:blip r:embed="rId2">
+            <a:extLst>
+              <a:ext uri="{28A0092B-C50C-407E-A947-70E740481C1C}">
+                <a14:useLocalDpi xmlns:a14="http://schemas.microsoft.com/office/drawing/2010/main" val="0"/>
+              </a:ext>
+            </a:extLst>
+          </a:blip>
+          <a:stretch>
+            <a:fillRect/>
+          </a:stretch>
+        </p:blipFill>
+        <p:spPr>
+          <a:xfrm>
+            <a:off x="0" y="0"/>
+            <a:ext cx="12192000" cy="6858000"/>
+          </a:xfrm>
+          <a:prstGeom prst="rect">
+            <a:avLst/>
+          </a:prstGeom>
+        </p:spPr>
+      </p:pic>
+      <p:sp>
+        <p:nvSpPr>
+          <p:cNvPr id="5" name="TextBox 4"/>
+          <p:cNvSpPr txBox="1"/>
+          <p:nvPr/>
+        </p:nvSpPr>
+        <p:spPr>
+          <a:xfrm>
+            <a:off x="781235" y="452761"/>
+            <a:ext cx="3932808" cy="523220"/>
+          </a:xfrm>
+          <a:prstGeom prst="rect">
+            <a:avLst/>
+          </a:prstGeom>
+          <a:noFill/>
+        </p:spPr>
+        <p:txBody>
+          <a:bodyPr wrap="square" rtlCol="0">
+            <a:spAutoFit/>
+          </a:bodyPr>
+          <a:lstStyle/>
+          <a:p>
+            <a:r>
+              <a:rPr lang="en-GB" sz="2800" b="1" dirty="0" smtClean="0">
+                <a:latin typeface="Futura LT Pro Book" panose="020B0502020204020303" pitchFamily="34" charset="0"/>
+              </a:rPr>
+              <a:t>CLIC</a:t>
+            </a:r>
+            <a:endParaRPr lang="en-GB" sz="2800" b="1" dirty="0">
+              <a:latin typeface="Futura LT Pro Book" panose="020B0502020204020303" pitchFamily="34" charset="0"/>
+            </a:endParaRPr>
+          </a:p>
+        </p:txBody>
+      </p:sp>
+      <p:sp>
+        <p:nvSpPr>
+          <p:cNvPr id="6" name="TextBox 5"/>
+          <p:cNvSpPr txBox="1"/>
+          <p:nvPr/>
+        </p:nvSpPr>
+        <p:spPr>
+          <a:xfrm>
+            <a:off x="781235" y="1589104"/>
+            <a:ext cx="8336132" cy="4247317"/>
+          </a:xfrm>
+          <a:prstGeom prst="rect">
+            <a:avLst/>
+          </a:prstGeom>
+          <a:noFill/>
+        </p:spPr>
+        <p:txBody>
+          <a:bodyPr wrap="square" rtlCol="0">
+            <a:spAutoFit/>
+          </a:bodyPr>
+          <a:lstStyle/>
+          <a:p>
+            <a:pPr marL="285750" lvl="0" indent="-285750">
+              <a:buFont typeface="Arial" panose="020B0604020202020204" pitchFamily="34" charset="0"/>
+              <a:buChar char="•"/>
+            </a:pPr>
+            <a:r>
+              <a:rPr lang="en-GB" dirty="0" smtClean="0"/>
+              <a:t>Came across cyber-liability insurance cover </a:t>
+            </a:r>
+            <a:r>
+              <a:rPr lang="en-GB" dirty="0"/>
+              <a:t>offered by </a:t>
+            </a:r>
+            <a:r>
+              <a:rPr lang="en-GB" dirty="0" smtClean="0"/>
+              <a:t>Lloyd’s.</a:t>
+            </a:r>
+          </a:p>
+          <a:p>
+            <a:pPr marL="285750" lvl="0" indent="-285750">
+              <a:buFont typeface="Arial" panose="020B0604020202020204" pitchFamily="34" charset="0"/>
+              <a:buChar char="•"/>
+            </a:pPr>
+            <a:endParaRPr lang="en-GB" dirty="0"/>
+          </a:p>
+          <a:p>
+            <a:pPr marL="285750" lvl="0" indent="-285750">
+              <a:buFont typeface="Arial" panose="020B0604020202020204" pitchFamily="34" charset="0"/>
+              <a:buChar char="•"/>
+            </a:pPr>
+            <a:r>
+              <a:rPr lang="en-GB" dirty="0" smtClean="0"/>
+              <a:t>Puts </a:t>
+            </a:r>
+            <a:r>
+              <a:rPr lang="en-GB" dirty="0"/>
+              <a:t>retail and finance </a:t>
+            </a:r>
+            <a:r>
+              <a:rPr lang="en-GB" dirty="0" smtClean="0"/>
+              <a:t>in </a:t>
+            </a:r>
+            <a:r>
+              <a:rPr lang="en-GB" dirty="0"/>
+              <a:t>the higher risk bracket. </a:t>
+            </a:r>
+            <a:endParaRPr lang="en-GB" dirty="0" smtClean="0"/>
+          </a:p>
+          <a:p>
+            <a:pPr marL="285750" lvl="0" indent="-285750">
+              <a:buFont typeface="Arial" panose="020B0604020202020204" pitchFamily="34" charset="0"/>
+              <a:buChar char="•"/>
+            </a:pPr>
+            <a:endParaRPr lang="en-GB" dirty="0"/>
+          </a:p>
+          <a:p>
+            <a:pPr marL="285750" lvl="0" indent="-285750">
+              <a:buFont typeface="Arial" panose="020B0604020202020204" pitchFamily="34" charset="0"/>
+              <a:buChar char="•"/>
+            </a:pPr>
+            <a:r>
+              <a:rPr lang="en-GB" dirty="0" smtClean="0"/>
+              <a:t>The </a:t>
+            </a:r>
+            <a:r>
+              <a:rPr lang="en-GB" dirty="0"/>
+              <a:t>risk associated is derived from the technology and regulation around privacy. </a:t>
+            </a:r>
+            <a:r>
+              <a:rPr lang="en-GB" dirty="0" smtClean="0"/>
+              <a:t>Both constantly </a:t>
+            </a:r>
+            <a:r>
+              <a:rPr lang="en-GB" dirty="0"/>
+              <a:t>changing, therefore the solutions provided via insurance need to be able to evolve</a:t>
+            </a:r>
+            <a:r>
+              <a:rPr lang="en-GB" dirty="0" smtClean="0"/>
+              <a:t>.</a:t>
+            </a:r>
+          </a:p>
+          <a:p>
+            <a:pPr marL="285750" lvl="0" indent="-285750">
+              <a:buFont typeface="Arial" panose="020B0604020202020204" pitchFamily="34" charset="0"/>
+              <a:buChar char="•"/>
+            </a:pPr>
+            <a:endParaRPr lang="en-GB" dirty="0"/>
+          </a:p>
+          <a:p>
+            <a:pPr marL="285750" lvl="0" indent="-285750">
+              <a:buFont typeface="Arial" panose="020B0604020202020204" pitchFamily="34" charset="0"/>
+              <a:buChar char="•"/>
+            </a:pPr>
+            <a:r>
+              <a:rPr lang="en-GB" dirty="0" smtClean="0"/>
+              <a:t>CLIC </a:t>
+            </a:r>
+            <a:r>
+              <a:rPr lang="en-GB" dirty="0"/>
+              <a:t>has been </a:t>
+            </a:r>
+            <a:r>
+              <a:rPr lang="en-GB" dirty="0" smtClean="0"/>
+              <a:t>present for over </a:t>
+            </a:r>
+            <a:r>
+              <a:rPr lang="en-GB" dirty="0"/>
+              <a:t>10 </a:t>
+            </a:r>
+            <a:r>
+              <a:rPr lang="en-GB" dirty="0" smtClean="0"/>
+              <a:t>years, but many </a:t>
+            </a:r>
+            <a:r>
+              <a:rPr lang="en-GB" dirty="0"/>
+              <a:t>insurers that </a:t>
+            </a:r>
+            <a:r>
+              <a:rPr lang="en-GB" dirty="0" smtClean="0"/>
+              <a:t>offer </a:t>
+            </a:r>
+            <a:r>
+              <a:rPr lang="en-GB" dirty="0"/>
+              <a:t>it have not sold a single </a:t>
+            </a:r>
+            <a:r>
+              <a:rPr lang="en-GB" dirty="0" smtClean="0"/>
+              <a:t>policy.</a:t>
+            </a:r>
+          </a:p>
+          <a:p>
+            <a:pPr marL="285750" lvl="0" indent="-285750">
+              <a:buFont typeface="Arial" panose="020B0604020202020204" pitchFamily="34" charset="0"/>
+              <a:buChar char="•"/>
+            </a:pPr>
+            <a:endParaRPr lang="en-GB" dirty="0" smtClean="0"/>
+          </a:p>
+          <a:p>
+            <a:pPr marL="285750" lvl="0" indent="-285750">
+              <a:buFont typeface="Arial" panose="020B0604020202020204" pitchFamily="34" charset="0"/>
+              <a:buChar char="•"/>
+            </a:pPr>
+            <a:r>
+              <a:rPr lang="en-GB" dirty="0"/>
+              <a:t>I</a:t>
+            </a:r>
+            <a:r>
+              <a:rPr lang="en-GB" dirty="0" smtClean="0"/>
+              <a:t>n </a:t>
+            </a:r>
+            <a:r>
+              <a:rPr lang="en-GB" dirty="0"/>
+              <a:t>many </a:t>
+            </a:r>
+            <a:r>
+              <a:rPr lang="en-GB" dirty="0" smtClean="0"/>
+              <a:t>cases, insurers </a:t>
+            </a:r>
+            <a:r>
+              <a:rPr lang="en-GB" dirty="0"/>
+              <a:t>may not have understood the risk that they were actually taking on – this has been very much to do with both the lack of data for underwriting and the lack of knowledge by consumers to understand the risk transference benefits. </a:t>
+            </a:r>
+          </a:p>
+        </p:txBody>
+      </p:sp>
+    </p:spTree>
+    <p:extLst>
+      <p:ext uri="{BB962C8B-B14F-4D97-AF65-F5344CB8AC3E}">
+        <p14:creationId xmlns:p14="http://schemas.microsoft.com/office/powerpoint/2010/main" val="2091526586"/>
+      </p:ext>
+    </p:extLst>
+  </p:cSld>
+  <p:clrMapOvr>
+    <a:masterClrMapping/>
+  </p:clrMapOvr>
+</p:sld>
+</file>
+
+<file path=ppt/slides/slide13.xml><?xml version="1.0" encoding="utf-8"?>
+<p:sld xmlns:a="http://schemas.openxmlformats.org/drawingml/2006/main" xmlns:r="http://schemas.openxmlformats.org/officeDocument/2006/relationships" xmlns:p="http://schemas.openxmlformats.org/presentationml/2006/main">
+  <p:cSld>
+    <p:spTree>
+      <p:nvGrpSpPr>
+        <p:cNvPr id="1" name=""/>
+        <p:cNvGrpSpPr/>
+        <p:nvPr/>
+      </p:nvGrpSpPr>
+      <p:grpSpPr>
+        <a:xfrm>
+          <a:off x="0" y="0"/>
+          <a:ext cx="0" cy="0"/>
+          <a:chOff x="0" y="0"/>
+          <a:chExt cx="0" cy="0"/>
+        </a:xfrm>
+      </p:grpSpPr>
+      <p:pic>
+        <p:nvPicPr>
+          <p:cNvPr id="4" name="Picture 3"/>
+          <p:cNvPicPr>
+            <a:picLocks noChangeAspect="1"/>
+          </p:cNvPicPr>
+          <p:nvPr/>
+        </p:nvPicPr>
+        <p:blipFill>
+          <a:blip r:embed="rId2">
+            <a:extLst>
+              <a:ext uri="{28A0092B-C50C-407E-A947-70E740481C1C}">
+                <a14:useLocalDpi xmlns:a14="http://schemas.microsoft.com/office/drawing/2010/main" val="0"/>
+              </a:ext>
+            </a:extLst>
+          </a:blip>
+          <a:stretch>
+            <a:fillRect/>
+          </a:stretch>
+        </p:blipFill>
+        <p:spPr>
+          <a:xfrm>
+            <a:off x="0" y="0"/>
+            <a:ext cx="12192000" cy="6858000"/>
+          </a:xfrm>
+          <a:prstGeom prst="rect">
+            <a:avLst/>
+          </a:prstGeom>
+        </p:spPr>
+      </p:pic>
+      <p:sp>
+        <p:nvSpPr>
+          <p:cNvPr id="5" name="TextBox 4"/>
+          <p:cNvSpPr txBox="1"/>
+          <p:nvPr/>
+        </p:nvSpPr>
+        <p:spPr>
+          <a:xfrm>
+            <a:off x="781235" y="452761"/>
+            <a:ext cx="3932808" cy="523220"/>
+          </a:xfrm>
+          <a:prstGeom prst="rect">
+            <a:avLst/>
+          </a:prstGeom>
+          <a:noFill/>
+        </p:spPr>
+        <p:txBody>
+          <a:bodyPr wrap="square" rtlCol="0">
+            <a:spAutoFit/>
+          </a:bodyPr>
+          <a:lstStyle/>
+          <a:p>
+            <a:r>
+              <a:rPr lang="en-GB" sz="2800" b="1" dirty="0" smtClean="0">
+                <a:latin typeface="Futura LT Pro Book" panose="020B0502020204020303" pitchFamily="34" charset="0"/>
+              </a:rPr>
+              <a:t>Helping SMEs </a:t>
+            </a:r>
+            <a:endParaRPr lang="en-GB" sz="2800" b="1" dirty="0">
+              <a:latin typeface="Futura LT Pro Book" panose="020B0502020204020303" pitchFamily="34" charset="0"/>
+            </a:endParaRPr>
+          </a:p>
+        </p:txBody>
+      </p:sp>
+      <p:sp>
+        <p:nvSpPr>
+          <p:cNvPr id="6" name="TextBox 5"/>
+          <p:cNvSpPr txBox="1"/>
+          <p:nvPr/>
+        </p:nvSpPr>
+        <p:spPr>
+          <a:xfrm>
+            <a:off x="781235" y="1589104"/>
+            <a:ext cx="8336132" cy="4985980"/>
+          </a:xfrm>
+          <a:prstGeom prst="rect">
+            <a:avLst/>
+          </a:prstGeom>
+          <a:noFill/>
+        </p:spPr>
+        <p:txBody>
+          <a:bodyPr wrap="square" rtlCol="0">
+            <a:spAutoFit/>
+          </a:bodyPr>
+          <a:lstStyle/>
+          <a:p>
+            <a:pPr marL="285750" indent="-285750">
+              <a:buFont typeface="Arial" panose="020B0604020202020204" pitchFamily="34" charset="0"/>
+              <a:buChar char="•"/>
+            </a:pPr>
+            <a:r>
+              <a:rPr lang="en-GB" dirty="0"/>
+              <a:t>For small and medium-sized </a:t>
+            </a:r>
+            <a:r>
+              <a:rPr lang="en-GB" dirty="0" smtClean="0"/>
+              <a:t>enterprises, there </a:t>
+            </a:r>
+            <a:r>
+              <a:rPr lang="en-GB" dirty="0"/>
+              <a:t>are very simple policies available, but sometimes these raise more questions than they </a:t>
+            </a:r>
+            <a:r>
+              <a:rPr lang="en-GB" dirty="0" smtClean="0"/>
+              <a:t>answer.</a:t>
+            </a:r>
+          </a:p>
+          <a:p>
+            <a:pPr marL="285750" indent="-285750">
+              <a:buFont typeface="Arial" panose="020B0604020202020204" pitchFamily="34" charset="0"/>
+              <a:buChar char="•"/>
+            </a:pPr>
+            <a:endParaRPr lang="en-GB" dirty="0" smtClean="0"/>
+          </a:p>
+          <a:p>
+            <a:pPr marL="285750" indent="-285750">
+              <a:buFont typeface="Arial" panose="020B0604020202020204" pitchFamily="34" charset="0"/>
+              <a:buChar char="•"/>
+            </a:pPr>
+            <a:r>
+              <a:rPr lang="en-GB" dirty="0" smtClean="0"/>
+              <a:t>They </a:t>
+            </a:r>
+            <a:r>
+              <a:rPr lang="en-GB" dirty="0"/>
+              <a:t>do not always provide a long list of exclusions or terms and definitions. At least with detailed polices you should know where you stand</a:t>
+            </a:r>
+            <a:r>
+              <a:rPr lang="en-GB" dirty="0" smtClean="0"/>
+              <a:t>.</a:t>
+            </a:r>
+          </a:p>
+          <a:p>
+            <a:pPr marL="285750" indent="-285750">
+              <a:buFont typeface="Arial" panose="020B0604020202020204" pitchFamily="34" charset="0"/>
+              <a:buChar char="•"/>
+            </a:pPr>
+            <a:endParaRPr lang="en-GB" dirty="0"/>
+          </a:p>
+          <a:p>
+            <a:pPr marL="285750" indent="-285750">
+              <a:buFont typeface="Arial" panose="020B0604020202020204" pitchFamily="34" charset="0"/>
+              <a:buChar char="•"/>
+            </a:pPr>
+            <a:r>
+              <a:rPr lang="en-GB" dirty="0" smtClean="0"/>
+              <a:t>Think there is potential to offer a more detailed policy, by providing a data-driven product. </a:t>
+            </a:r>
+          </a:p>
+          <a:p>
+            <a:pPr marL="285750" indent="-285750">
+              <a:buFont typeface="Arial" panose="020B0604020202020204" pitchFamily="34" charset="0"/>
+              <a:buChar char="•"/>
+            </a:pPr>
+            <a:endParaRPr lang="en-GB" dirty="0" smtClean="0"/>
+          </a:p>
+          <a:p>
+            <a:pPr marL="285750" indent="-285750">
+              <a:buFont typeface="Arial" panose="020B0604020202020204" pitchFamily="34" charset="0"/>
+              <a:buChar char="•"/>
+            </a:pPr>
+            <a:r>
+              <a:rPr lang="en-GB" dirty="0"/>
+              <a:t>Insider threat needs to be looked at with a more detailed approach. Need to look at security, engagement and productivity. </a:t>
+            </a:r>
+          </a:p>
+          <a:p>
+            <a:pPr marL="285750" indent="-285750">
+              <a:buFont typeface="Arial" panose="020B0604020202020204" pitchFamily="34" charset="0"/>
+              <a:buChar char="•"/>
+            </a:pPr>
+            <a:endParaRPr lang="en-GB" dirty="0"/>
+          </a:p>
+          <a:p>
+            <a:pPr marL="285750" indent="-285750">
+              <a:buFont typeface="Arial" panose="020B0604020202020204" pitchFamily="34" charset="0"/>
+              <a:buChar char="•"/>
+            </a:pPr>
+            <a:r>
+              <a:rPr lang="en-GB" dirty="0" smtClean="0"/>
+              <a:t>Need to complete a thorough study similar to PWC, showing how the level of threat varies across industry. </a:t>
+            </a:r>
+          </a:p>
+          <a:p>
+            <a:pPr marL="285750" indent="-285750">
+              <a:buFont typeface="Arial" panose="020B0604020202020204" pitchFamily="34" charset="0"/>
+              <a:buChar char="•"/>
+            </a:pPr>
+            <a:endParaRPr lang="en-GB" dirty="0"/>
+          </a:p>
+          <a:p>
+            <a:pPr marL="285750" indent="-285750">
+              <a:buFont typeface="Arial" panose="020B0604020202020204" pitchFamily="34" charset="0"/>
+              <a:buChar char="•"/>
+            </a:pPr>
+            <a:endParaRPr lang="en-GB" dirty="0"/>
+          </a:p>
+          <a:p>
+            <a:pPr marL="285750" indent="-285750">
+              <a:buFont typeface="Arial" panose="020B0604020202020204" pitchFamily="34" charset="0"/>
+              <a:buChar char="•"/>
+            </a:pPr>
+            <a:endParaRPr lang="en-GB" dirty="0" smtClean="0"/>
+          </a:p>
+          <a:p>
+            <a:pPr marL="285750" indent="-285750">
+              <a:buFont typeface="Arial" panose="020B0604020202020204" pitchFamily="34" charset="0"/>
+              <a:buChar char="•"/>
+            </a:pPr>
+            <a:endParaRPr lang="en-GB" sz="1200" dirty="0" smtClean="0">
+              <a:solidFill>
+                <a:srgbClr val="C00000"/>
+              </a:solidFill>
+              <a:latin typeface="Futura LT Pro Book" panose="020B0502020204020303" pitchFamily="34" charset="0"/>
+            </a:endParaRPr>
+          </a:p>
+        </p:txBody>
+      </p:sp>
+    </p:spTree>
+    <p:extLst>
+      <p:ext uri="{BB962C8B-B14F-4D97-AF65-F5344CB8AC3E}">
+        <p14:creationId xmlns:p14="http://schemas.microsoft.com/office/powerpoint/2010/main" val="2558556397"/>
+      </p:ext>
+    </p:extLst>
+  </p:cSld>
+  <p:clrMapOvr>
+    <a:masterClrMapping/>
+  </p:clrMapOvr>
+</p:sld>
+</file>
+
+<file path=ppt/slides/slide14.xml><?xml version="1.0" encoding="utf-8"?>
+<p:sld xmlns:a="http://schemas.openxmlformats.org/drawingml/2006/main" xmlns:r="http://schemas.openxmlformats.org/officeDocument/2006/relationships" xmlns:p="http://schemas.openxmlformats.org/presentationml/2006/main">
+  <p:cSld>
+    <p:spTree>
+      <p:nvGrpSpPr>
+        <p:cNvPr id="1" name=""/>
+        <p:cNvGrpSpPr/>
+        <p:nvPr/>
+      </p:nvGrpSpPr>
+      <p:grpSpPr>
+        <a:xfrm>
+          <a:off x="0" y="0"/>
+          <a:ext cx="0" cy="0"/>
+          <a:chOff x="0" y="0"/>
+          <a:chExt cx="0" cy="0"/>
+        </a:xfrm>
+      </p:grpSpPr>
+      <p:pic>
+        <p:nvPicPr>
+          <p:cNvPr id="4" name="Picture 3"/>
+          <p:cNvPicPr>
+            <a:picLocks noChangeAspect="1"/>
+          </p:cNvPicPr>
+          <p:nvPr/>
+        </p:nvPicPr>
+        <p:blipFill>
+          <a:blip r:embed="rId2">
+            <a:extLst>
+              <a:ext uri="{28A0092B-C50C-407E-A947-70E740481C1C}">
+                <a14:useLocalDpi xmlns:a14="http://schemas.microsoft.com/office/drawing/2010/main" val="0"/>
+              </a:ext>
+            </a:extLst>
+          </a:blip>
+          <a:stretch>
+            <a:fillRect/>
+          </a:stretch>
+        </p:blipFill>
+        <p:spPr>
+          <a:xfrm>
+            <a:off x="0" y="0"/>
+            <a:ext cx="12192000" cy="6858000"/>
+          </a:xfrm>
+          <a:prstGeom prst="rect">
+            <a:avLst/>
+          </a:prstGeom>
+        </p:spPr>
+      </p:pic>
+      <p:sp>
+        <p:nvSpPr>
+          <p:cNvPr id="5" name="TextBox 4"/>
+          <p:cNvSpPr txBox="1"/>
+          <p:nvPr/>
+        </p:nvSpPr>
+        <p:spPr>
+          <a:xfrm>
+            <a:off x="781235" y="452761"/>
+            <a:ext cx="3932808" cy="954107"/>
+          </a:xfrm>
+          <a:prstGeom prst="rect">
+            <a:avLst/>
+          </a:prstGeom>
+          <a:noFill/>
+        </p:spPr>
+        <p:txBody>
+          <a:bodyPr wrap="square" rtlCol="0">
+            <a:spAutoFit/>
+          </a:bodyPr>
+          <a:lstStyle/>
+          <a:p>
+            <a:r>
+              <a:rPr lang="en-GB" sz="2800" b="1" dirty="0" smtClean="0">
+                <a:latin typeface="Futura LT Pro Book" panose="020B0502020204020303" pitchFamily="34" charset="0"/>
+              </a:rPr>
+              <a:t>Lowering the Number of Breaches</a:t>
+            </a:r>
+            <a:endParaRPr lang="en-GB" sz="2800" b="1" dirty="0">
+              <a:latin typeface="Futura LT Pro Book" panose="020B0502020204020303" pitchFamily="34" charset="0"/>
+            </a:endParaRPr>
+          </a:p>
+        </p:txBody>
+      </p:sp>
+      <p:sp>
+        <p:nvSpPr>
+          <p:cNvPr id="6" name="TextBox 5"/>
+          <p:cNvSpPr txBox="1"/>
+          <p:nvPr/>
+        </p:nvSpPr>
+        <p:spPr>
+          <a:xfrm>
+            <a:off x="781235" y="1589104"/>
+            <a:ext cx="8336132" cy="3970318"/>
+          </a:xfrm>
+          <a:prstGeom prst="rect">
+            <a:avLst/>
+          </a:prstGeom>
+          <a:noFill/>
+        </p:spPr>
+        <p:txBody>
+          <a:bodyPr wrap="square" rtlCol="0">
+            <a:spAutoFit/>
+          </a:bodyPr>
+          <a:lstStyle/>
+          <a:p>
+            <a:pPr lvl="0"/>
+            <a:r>
+              <a:rPr lang="en-GB" dirty="0"/>
+              <a:t>I believe that </a:t>
+            </a:r>
+            <a:r>
+              <a:rPr lang="en-GB" dirty="0" smtClean="0"/>
+              <a:t>SMEs </a:t>
+            </a:r>
+            <a:r>
+              <a:rPr lang="en-GB" dirty="0"/>
+              <a:t>should begin to</a:t>
+            </a:r>
+            <a:r>
+              <a:rPr lang="en-GB" dirty="0" smtClean="0"/>
+              <a:t>:</a:t>
+            </a:r>
+          </a:p>
+          <a:p>
+            <a:pPr lvl="0"/>
+            <a:endParaRPr lang="en-GB" dirty="0"/>
+          </a:p>
+          <a:p>
+            <a:pPr marL="342900" lvl="0" indent="-342900">
+              <a:buFont typeface="+mj-lt"/>
+              <a:buAutoNum type="arabicPeriod"/>
+            </a:pPr>
+            <a:r>
+              <a:rPr lang="en-GB" dirty="0"/>
+              <a:t>Partner with a trusted firm to provide relevant advice related to their security infrastructure, including technical testing such as security audits and penetration testing to determine where the firm’s weaknesses lie and improve organisational </a:t>
+            </a:r>
+            <a:r>
+              <a:rPr lang="en-GB" dirty="0" smtClean="0"/>
+              <a:t>readiness.</a:t>
+            </a:r>
+          </a:p>
+          <a:p>
+            <a:pPr marL="342900" lvl="0" indent="-342900">
+              <a:buFont typeface="+mj-lt"/>
+              <a:buAutoNum type="arabicPeriod"/>
+            </a:pPr>
+            <a:endParaRPr lang="en-GB" dirty="0"/>
+          </a:p>
+          <a:p>
+            <a:pPr marL="342900" lvl="0" indent="-342900">
+              <a:buFont typeface="+mj-lt"/>
+              <a:buAutoNum type="arabicPeriod"/>
+            </a:pPr>
+            <a:r>
+              <a:rPr lang="en-GB" dirty="0"/>
+              <a:t>Monitor networks for unusually high traffic </a:t>
+            </a:r>
+            <a:r>
+              <a:rPr lang="en-GB" dirty="0" smtClean="0"/>
+              <a:t>volume.</a:t>
+            </a:r>
+          </a:p>
+          <a:p>
+            <a:pPr marL="342900" lvl="0" indent="-342900">
+              <a:buFont typeface="+mj-lt"/>
+              <a:buAutoNum type="arabicPeriod"/>
+            </a:pPr>
+            <a:endParaRPr lang="en-GB" dirty="0"/>
+          </a:p>
+          <a:p>
+            <a:pPr marL="342900" lvl="0" indent="-342900">
+              <a:buFont typeface="+mj-lt"/>
+              <a:buAutoNum type="arabicPeriod"/>
+            </a:pPr>
+            <a:r>
+              <a:rPr lang="en-GB" dirty="0"/>
+              <a:t>Work with their financial institution to implement multi-factor authentication and dual controls for financial </a:t>
+            </a:r>
+            <a:r>
+              <a:rPr lang="en-GB" dirty="0" smtClean="0"/>
+              <a:t>transactions.</a:t>
+            </a:r>
+          </a:p>
+          <a:p>
+            <a:pPr marL="342900" lvl="0" indent="-342900">
+              <a:buFont typeface="+mj-lt"/>
+              <a:buAutoNum type="arabicPeriod"/>
+            </a:pPr>
+            <a:endParaRPr lang="en-GB" dirty="0"/>
+          </a:p>
+          <a:p>
+            <a:pPr marL="342900" lvl="0" indent="-342900">
+              <a:buFont typeface="+mj-lt"/>
+              <a:buAutoNum type="arabicPeriod"/>
+            </a:pPr>
+            <a:r>
+              <a:rPr lang="en-GB" dirty="0"/>
+              <a:t>Educate employees regarding good security habits including stronger administrative passwords, policies regarding email attachments, etc.</a:t>
+            </a:r>
+          </a:p>
+        </p:txBody>
+      </p:sp>
+    </p:spTree>
+    <p:extLst>
+      <p:ext uri="{BB962C8B-B14F-4D97-AF65-F5344CB8AC3E}">
+        <p14:creationId xmlns:p14="http://schemas.microsoft.com/office/powerpoint/2010/main" val="3912874280"/>
+      </p:ext>
+    </p:extLst>
+  </p:cSld>
+  <p:clrMapOvr>
+    <a:masterClrMapping/>
+  </p:clrMapOvr>
+</p:sld>
+</file>
+
+<file path=ppt/slides/slide15.xml><?xml version="1.0" encoding="utf-8"?>
+<p:sld xmlns:a="http://schemas.openxmlformats.org/drawingml/2006/main" xmlns:r="http://schemas.openxmlformats.org/officeDocument/2006/relationships" xmlns:p="http://schemas.openxmlformats.org/presentationml/2006/main">
+  <p:cSld>
+    <p:spTree>
+      <p:nvGrpSpPr>
+        <p:cNvPr id="1" name=""/>
+        <p:cNvGrpSpPr/>
+        <p:nvPr/>
+      </p:nvGrpSpPr>
+      <p:grpSpPr>
+        <a:xfrm>
+          <a:off x="0" y="0"/>
+          <a:ext cx="0" cy="0"/>
+          <a:chOff x="0" y="0"/>
+          <a:chExt cx="0" cy="0"/>
+        </a:xfrm>
+      </p:grpSpPr>
+      <p:pic>
+        <p:nvPicPr>
+          <p:cNvPr id="4" name="Picture 3"/>
+          <p:cNvPicPr>
+            <a:picLocks noChangeAspect="1"/>
+          </p:cNvPicPr>
+          <p:nvPr/>
+        </p:nvPicPr>
+        <p:blipFill>
+          <a:blip r:embed="rId2">
+            <a:extLst>
+              <a:ext uri="{28A0092B-C50C-407E-A947-70E740481C1C}">
+                <a14:useLocalDpi xmlns:a14="http://schemas.microsoft.com/office/drawing/2010/main" val="0"/>
+              </a:ext>
+            </a:extLst>
+          </a:blip>
+          <a:stretch>
+            <a:fillRect/>
+          </a:stretch>
+        </p:blipFill>
+        <p:spPr>
+          <a:xfrm>
+            <a:off x="0" y="0"/>
+            <a:ext cx="12192000" cy="6858000"/>
+          </a:xfrm>
+          <a:prstGeom prst="rect">
+            <a:avLst/>
+          </a:prstGeom>
+        </p:spPr>
+      </p:pic>
+      <p:sp>
+        <p:nvSpPr>
+          <p:cNvPr id="5" name="TextBox 4"/>
+          <p:cNvSpPr txBox="1"/>
+          <p:nvPr/>
+        </p:nvSpPr>
+        <p:spPr>
+          <a:xfrm>
             <a:off x="2549371" y="2618912"/>
             <a:ext cx="7093258" cy="646331"/>
           </a:xfrm>
@@ -3328,7 +4370,7 @@
 </p:sld>
 </file>
 
-<file path=ppt/slides/slide12.xml><?xml version="1.0" encoding="utf-8"?>
+<file path=ppt/slides/slide16.xml><?xml version="1.0" encoding="utf-8"?>
 <p:sld xmlns:a="http://schemas.openxmlformats.org/drawingml/2006/main" xmlns:r="http://schemas.openxmlformats.org/officeDocument/2006/relationships" xmlns:p="http://schemas.openxmlformats.org/presentationml/2006/main">
   <p:cSld>
     <p:spTree>
@@ -3464,9 +4506,6 @@
               </a:rPr>
               <a:t>MS Amlin</a:t>
             </a:r>
-            <a:endParaRPr lang="en-GB" sz="3600" b="1" dirty="0" smtClean="0">
-              <a:latin typeface="Futura LT Pro Book" panose="020B0502020204020303" pitchFamily="34" charset="0"/>
-            </a:endParaRPr>
           </a:p>
         </p:txBody>
       </p:sp>
@@ -3703,7 +4742,6 @@
               <a:rPr lang="en-GB" dirty="0"/>
               <a:t>states, the District of Columbia, Guam, Puerto Rico and the Virgin Islands have enacted legislation requiring private, governmental or educational entities to notify individuals of security breaches of information involving personally identifiable information.</a:t>
             </a:r>
-            <a:endParaRPr lang="en-GB" dirty="0"/>
           </a:p>
         </p:txBody>
       </p:sp>
@@ -3810,7 +4848,7 @@
         <p:spPr>
           <a:xfrm>
             <a:off x="781235" y="1589104"/>
-            <a:ext cx="8336132" cy="4524315"/>
+            <a:ext cx="8336132" cy="4247317"/>
           </a:xfrm>
           <a:prstGeom prst="rect">
             <a:avLst/>
@@ -3829,7 +4867,15 @@
             </a:pPr>
             <a:r>
               <a:rPr lang="en-GB" dirty="0"/>
-              <a:t>SMEs are targeted more often than others as they have a lack of resources invested in security, poor security technologies in place and very little training for employees to raise awareness. </a:t>
+              <a:t>SMEs are targeted more often than others as they have a lack of resources invested in security, poor security technologies </a:t>
+            </a:r>
+            <a:r>
+              <a:rPr lang="en-GB" dirty="0" smtClean="0"/>
+              <a:t>and </a:t>
+            </a:r>
+            <a:r>
+              <a:rPr lang="en-GB" dirty="0"/>
+              <a:t>very little training for employees to raise awareness. </a:t>
             </a:r>
             <a:endParaRPr lang="en-GB" dirty="0" smtClean="0"/>
           </a:p>
@@ -3851,7 +4897,15 @@
             </a:r>
             <a:r>
               <a:rPr lang="en-GB" dirty="0"/>
-              <a:t>Walker, CEO of Chicago-based Data Defenders says research shows approximately 80% of security-related incidents occur as a result of employee behaviour. </a:t>
+              <a:t>Walker, CEO of Chicago-based Data Defenders says research shows </a:t>
+            </a:r>
+            <a:r>
+              <a:rPr lang="en-GB" dirty="0" smtClean="0"/>
+              <a:t>80</a:t>
+            </a:r>
+            <a:r>
+              <a:rPr lang="en-GB" dirty="0"/>
+              <a:t>% of security-related incidents occur as a result of employee behaviour. </a:t>
             </a:r>
             <a:endParaRPr lang="en-GB" dirty="0" smtClean="0"/>
           </a:p>
@@ -4058,7 +5112,7 @@
               <a:rPr lang="en-GB" dirty="0" smtClean="0">
                 <a:latin typeface="Futura LT Pro Book" panose="020B0502020204020303" pitchFamily="34" charset="0"/>
               </a:rPr>
-              <a:t>Hard to source the relevant data required, as IT security breaches in the US are not recorded as well as they are in the UK.</a:t>
+              <a:t>Hard to source the relevant data required, as IT security breaches in the US are not recorded very well.</a:t>
             </a:r>
           </a:p>
           <a:p>
@@ -4176,14 +5230,16 @@
       </p:grpSpPr>
       <p:pic>
         <p:nvPicPr>
-          <p:cNvPr id="4" name="Picture 3"/>
+          <p:cNvPr id="4" name="Content Placeholder 3"/>
           <p:cNvPicPr>
-            <a:picLocks noChangeAspect="1"/>
+            <a:picLocks noGrp="1" noChangeAspect="1"/>
           </p:cNvPicPr>
-          <p:nvPr/>
+          <p:nvPr>
+            <p:ph idx="1"/>
+          </p:nvPr>
         </p:nvPicPr>
         <p:blipFill>
-          <a:blip r:embed="rId2">
+          <a:blip r:embed="rId2" cstate="print">
             <a:extLst>
               <a:ext uri="{28A0092B-C50C-407E-A947-70E740481C1C}">
                 <a14:useLocalDpi xmlns:a14="http://schemas.microsoft.com/office/drawing/2010/main" val="0"/>
@@ -4196,204 +5252,15 @@
         </p:blipFill>
         <p:spPr>
           <a:xfrm>
-            <a:off x="0" y="0"/>
-            <a:ext cx="12192000" cy="6858000"/>
+            <a:off x="0" y="123092"/>
+            <a:ext cx="11973167" cy="6734908"/>
           </a:xfrm>
-          <a:prstGeom prst="rect">
-            <a:avLst/>
-          </a:prstGeom>
         </p:spPr>
       </p:pic>
-      <p:sp>
-        <p:nvSpPr>
-          <p:cNvPr id="5" name="TextBox 4"/>
-          <p:cNvSpPr txBox="1"/>
-          <p:nvPr/>
-        </p:nvSpPr>
-        <p:spPr>
-          <a:xfrm>
-            <a:off x="781235" y="452761"/>
-            <a:ext cx="3932808" cy="523220"/>
-          </a:xfrm>
-          <a:prstGeom prst="rect">
-            <a:avLst/>
-          </a:prstGeom>
-          <a:noFill/>
-        </p:spPr>
-        <p:txBody>
-          <a:bodyPr wrap="square" rtlCol="0">
-            <a:spAutoFit/>
-          </a:bodyPr>
-          <a:lstStyle/>
-          <a:p>
-            <a:r>
-              <a:rPr lang="en-GB" sz="2800" b="1" dirty="0" smtClean="0">
-                <a:latin typeface="Futura LT Pro Book" panose="020B0502020204020303" pitchFamily="34" charset="0"/>
-              </a:rPr>
-              <a:t>GPDR</a:t>
-            </a:r>
-            <a:endParaRPr lang="en-GB" sz="2800" b="1" dirty="0">
-              <a:latin typeface="Futura LT Pro Book" panose="020B0502020204020303" pitchFamily="34" charset="0"/>
-            </a:endParaRPr>
-          </a:p>
-        </p:txBody>
-      </p:sp>
-      <p:sp>
-        <p:nvSpPr>
-          <p:cNvPr id="6" name="TextBox 5"/>
-          <p:cNvSpPr txBox="1"/>
-          <p:nvPr/>
-        </p:nvSpPr>
-        <p:spPr>
-          <a:xfrm>
-            <a:off x="781235" y="1589104"/>
-            <a:ext cx="8336132" cy="4062651"/>
-          </a:xfrm>
-          <a:prstGeom prst="rect">
-            <a:avLst/>
-          </a:prstGeom>
-          <a:noFill/>
-        </p:spPr>
-        <p:txBody>
-          <a:bodyPr wrap="square" rtlCol="0">
-            <a:spAutoFit/>
-          </a:bodyPr>
-          <a:lstStyle/>
-          <a:p>
-            <a:pPr marL="285750" indent="-285750">
-              <a:buFont typeface="Arial" panose="020B0604020202020204" pitchFamily="34" charset="0"/>
-              <a:buChar char="•"/>
-            </a:pPr>
-            <a:r>
-              <a:rPr lang="en-GB" dirty="0" smtClean="0">
-                <a:latin typeface="Futura LT Pro Book" panose="020B0502020204020303" pitchFamily="34" charset="0"/>
-              </a:rPr>
-              <a:t>Although </a:t>
-            </a:r>
-            <a:r>
-              <a:rPr lang="en-GB" dirty="0">
-                <a:latin typeface="Futura LT Pro Book" panose="020B0502020204020303" pitchFamily="34" charset="0"/>
-              </a:rPr>
-              <a:t>GDPR doesn’t affect the US, I thought I’d outline the fines associated. </a:t>
-            </a:r>
-            <a:endParaRPr lang="en-GB" dirty="0" smtClean="0">
-              <a:latin typeface="Futura LT Pro Book" panose="020B0502020204020303" pitchFamily="34" charset="0"/>
-            </a:endParaRPr>
-          </a:p>
-          <a:p>
-            <a:pPr marL="285750" indent="-285750">
-              <a:buFont typeface="Arial" panose="020B0604020202020204" pitchFamily="34" charset="0"/>
-              <a:buChar char="•"/>
-            </a:pPr>
-            <a:endParaRPr lang="en-GB" dirty="0">
-              <a:latin typeface="Futura LT Pro Book" panose="020B0502020204020303" pitchFamily="34" charset="0"/>
-            </a:endParaRPr>
-          </a:p>
-          <a:p>
-            <a:pPr marL="285750" indent="-285750">
-              <a:buFont typeface="Arial" panose="020B0604020202020204" pitchFamily="34" charset="0"/>
-              <a:buChar char="•"/>
-            </a:pPr>
-            <a:r>
-              <a:rPr lang="en-GB" dirty="0" smtClean="0">
-                <a:latin typeface="Futura LT Pro Book" panose="020B0502020204020303" pitchFamily="34" charset="0"/>
-              </a:rPr>
-              <a:t>A </a:t>
-            </a:r>
-            <a:r>
-              <a:rPr lang="en-GB" dirty="0">
-                <a:latin typeface="Futura LT Pro Book" panose="020B0502020204020303" pitchFamily="34" charset="0"/>
-              </a:rPr>
-              <a:t>two-tiered sanctions regime will apply. Breaches of some provisions by businesses, which law makers have deemed to be most important for data protection, could lead to fines of up to €20 million or 4% of global annual turnover for the preceding financial year, whichever is the greater, being levied by data watchdogs. </a:t>
-            </a:r>
-            <a:endParaRPr lang="en-GB" dirty="0" smtClean="0">
-              <a:latin typeface="Futura LT Pro Book" panose="020B0502020204020303" pitchFamily="34" charset="0"/>
-            </a:endParaRPr>
-          </a:p>
-          <a:p>
-            <a:pPr marL="285750" indent="-285750">
-              <a:buFont typeface="Arial" panose="020B0604020202020204" pitchFamily="34" charset="0"/>
-              <a:buChar char="•"/>
-            </a:pPr>
-            <a:endParaRPr lang="en-GB" dirty="0">
-              <a:latin typeface="Futura LT Pro Book" panose="020B0502020204020303" pitchFamily="34" charset="0"/>
-            </a:endParaRPr>
-          </a:p>
-          <a:p>
-            <a:pPr marL="285750" indent="-285750">
-              <a:buFont typeface="Arial" panose="020B0604020202020204" pitchFamily="34" charset="0"/>
-              <a:buChar char="•"/>
-            </a:pPr>
-            <a:r>
-              <a:rPr lang="en-GB" dirty="0" smtClean="0">
-                <a:latin typeface="Futura LT Pro Book" panose="020B0502020204020303" pitchFamily="34" charset="0"/>
-              </a:rPr>
-              <a:t>For </a:t>
-            </a:r>
-            <a:r>
-              <a:rPr lang="en-GB" dirty="0">
-                <a:latin typeface="Futura LT Pro Book" panose="020B0502020204020303" pitchFamily="34" charset="0"/>
-              </a:rPr>
-              <a:t>other breaches, the authorities could impose fines on companies of up to €10m or 2% of global annual turnover, whichever is </a:t>
-            </a:r>
-            <a:r>
-              <a:rPr lang="en-GB" dirty="0" smtClean="0">
-                <a:latin typeface="Futura LT Pro Book" panose="020B0502020204020303" pitchFamily="34" charset="0"/>
-              </a:rPr>
-              <a:t>greater.</a:t>
-            </a:r>
-          </a:p>
-          <a:p>
-            <a:pPr marL="285750" indent="-285750">
-              <a:buFont typeface="Arial" panose="020B0604020202020204" pitchFamily="34" charset="0"/>
-              <a:buChar char="•"/>
-            </a:pPr>
-            <a:endParaRPr lang="en-GB" dirty="0">
-              <a:latin typeface="Futura LT Pro Book" panose="020B0502020204020303" pitchFamily="34" charset="0"/>
-            </a:endParaRPr>
-          </a:p>
-          <a:p>
-            <a:pPr marL="285750" indent="-285750">
-              <a:buFont typeface="Arial" panose="020B0604020202020204" pitchFamily="34" charset="0"/>
-              <a:buChar char="•"/>
-            </a:pPr>
-            <a:r>
-              <a:rPr lang="en-GB" dirty="0" smtClean="0">
-                <a:latin typeface="Futura LT Pro Book" panose="020B0502020204020303" pitchFamily="34" charset="0"/>
-              </a:rPr>
-              <a:t>A huge emphasis on Cyber-Security in the EU. </a:t>
-            </a:r>
-          </a:p>
-          <a:p>
-            <a:pPr marL="285750" indent="-285750">
-              <a:buFont typeface="Arial" panose="020B0604020202020204" pitchFamily="34" charset="0"/>
-              <a:buChar char="•"/>
-            </a:pPr>
-            <a:endParaRPr lang="en-GB" sz="1200" dirty="0">
-              <a:solidFill>
-                <a:srgbClr val="C00000"/>
-              </a:solidFill>
-              <a:latin typeface="Futura LT Pro Book" panose="020B0502020204020303" pitchFamily="34" charset="0"/>
-            </a:endParaRPr>
-          </a:p>
-          <a:p>
-            <a:pPr marL="285750" indent="-285750">
-              <a:buFont typeface="Arial" panose="020B0604020202020204" pitchFamily="34" charset="0"/>
-              <a:buChar char="•"/>
-            </a:pPr>
-            <a:endParaRPr lang="en-GB" sz="1200" dirty="0">
-              <a:solidFill>
-                <a:srgbClr val="C00000"/>
-              </a:solidFill>
-              <a:latin typeface="Futura LT Pro Book" panose="020B0502020204020303" pitchFamily="34" charset="0"/>
-            </a:endParaRPr>
-          </a:p>
-        </p:txBody>
-      </p:sp>
     </p:spTree>
     <p:extLst>
       <p:ext uri="{BB962C8B-B14F-4D97-AF65-F5344CB8AC3E}">
-        <p14:creationId xmlns:p14="http://schemas.microsoft.com/office/powerpoint/2010/main" val="4247266274"/>
+        <p14:creationId xmlns:p14="http://schemas.microsoft.com/office/powerpoint/2010/main" val="2036552736"/>
       </p:ext>
     </p:extLst>
   </p:cSld>
@@ -4420,16 +5287,37 @@
           <a:chExt cx="0" cy="0"/>
         </a:xfrm>
       </p:grpSpPr>
+      <p:sp>
+        <p:nvSpPr>
+          <p:cNvPr id="2" name="Title 1"/>
+          <p:cNvSpPr>
+            <a:spLocks noGrp="1"/>
+          </p:cNvSpPr>
+          <p:nvPr>
+            <p:ph type="title"/>
+          </p:nvPr>
+        </p:nvSpPr>
+        <p:spPr/>
+        <p:txBody>
+          <a:bodyPr/>
+          <a:lstStyle/>
+          <a:p>
+            <a:endParaRPr lang="en-GB"/>
+          </a:p>
+        </p:txBody>
+      </p:sp>
       <p:pic>
         <p:nvPicPr>
-          <p:cNvPr id="4" name="Picture 3"/>
+          <p:cNvPr id="4" name="Content Placeholder 3"/>
           <p:cNvPicPr>
-            <a:picLocks noChangeAspect="1"/>
+            <a:picLocks noGrp="1" noChangeAspect="1"/>
           </p:cNvPicPr>
-          <p:nvPr/>
+          <p:nvPr>
+            <p:ph idx="1"/>
+          </p:nvPr>
         </p:nvPicPr>
         <p:blipFill>
-          <a:blip r:embed="rId2">
+          <a:blip r:embed="rId2" cstate="print">
             <a:extLst>
               <a:ext uri="{28A0092B-C50C-407E-A947-70E740481C1C}">
                 <a14:useLocalDpi xmlns:a14="http://schemas.microsoft.com/office/drawing/2010/main" val="0"/>
@@ -4442,190 +5330,15 @@
         </p:blipFill>
         <p:spPr>
           <a:xfrm>
-            <a:off x="0" y="0"/>
-            <a:ext cx="12192000" cy="6858000"/>
+            <a:off x="64477" y="72537"/>
+            <a:ext cx="12063046" cy="6785463"/>
           </a:xfrm>
-          <a:prstGeom prst="rect">
-            <a:avLst/>
-          </a:prstGeom>
         </p:spPr>
       </p:pic>
-      <p:sp>
-        <p:nvSpPr>
-          <p:cNvPr id="5" name="TextBox 4"/>
-          <p:cNvSpPr txBox="1"/>
-          <p:nvPr/>
-        </p:nvSpPr>
-        <p:spPr>
-          <a:xfrm>
-            <a:off x="781235" y="452761"/>
-            <a:ext cx="3932808" cy="523220"/>
-          </a:xfrm>
-          <a:prstGeom prst="rect">
-            <a:avLst/>
-          </a:prstGeom>
-          <a:noFill/>
-        </p:spPr>
-        <p:txBody>
-          <a:bodyPr wrap="square" rtlCol="0">
-            <a:spAutoFit/>
-          </a:bodyPr>
-          <a:lstStyle/>
-          <a:p>
-            <a:r>
-              <a:rPr lang="en-GB" sz="2800" b="1" dirty="0" smtClean="0">
-                <a:latin typeface="Futura LT Pro Book" panose="020B0502020204020303" pitchFamily="34" charset="0"/>
-              </a:rPr>
-              <a:t>Other Studies</a:t>
-            </a:r>
-            <a:endParaRPr lang="en-GB" sz="2800" b="1" dirty="0">
-              <a:latin typeface="Futura LT Pro Book" panose="020B0502020204020303" pitchFamily="34" charset="0"/>
-            </a:endParaRPr>
-          </a:p>
-        </p:txBody>
-      </p:sp>
-      <p:sp>
-        <p:nvSpPr>
-          <p:cNvPr id="6" name="TextBox 5"/>
-          <p:cNvSpPr txBox="1"/>
-          <p:nvPr/>
-        </p:nvSpPr>
-        <p:spPr>
-          <a:xfrm>
-            <a:off x="781235" y="1589104"/>
-            <a:ext cx="8336132" cy="4801314"/>
-          </a:xfrm>
-          <a:prstGeom prst="rect">
-            <a:avLst/>
-          </a:prstGeom>
-          <a:noFill/>
-        </p:spPr>
-        <p:txBody>
-          <a:bodyPr wrap="square" rtlCol="0">
-            <a:spAutoFit/>
-          </a:bodyPr>
-          <a:lstStyle/>
-          <a:p>
-            <a:pPr marL="285750" lvl="0" indent="-285750">
-              <a:buFont typeface="Arial" panose="020B0604020202020204" pitchFamily="34" charset="0"/>
-              <a:buChar char="•"/>
-            </a:pPr>
-            <a:r>
-              <a:rPr lang="en-GB" dirty="0" smtClean="0"/>
-              <a:t>90</a:t>
-            </a:r>
-            <a:r>
-              <a:rPr lang="en-GB" dirty="0"/>
-              <a:t>% of large organisations reported breaches in 2015, up from 81% in 2014, while 74% of small organisations said they had been breached in 2015, up from 60% in 2014. </a:t>
-            </a:r>
-            <a:endParaRPr lang="en-GB" dirty="0" smtClean="0"/>
-          </a:p>
-          <a:p>
-            <a:pPr marL="285750" lvl="0" indent="-285750">
-              <a:buFont typeface="Arial" panose="020B0604020202020204" pitchFamily="34" charset="0"/>
-              <a:buChar char="•"/>
-            </a:pPr>
-            <a:endParaRPr lang="en-GB" dirty="0"/>
-          </a:p>
-          <a:p>
-            <a:pPr marL="285750" lvl="0" indent="-285750">
-              <a:buFont typeface="Arial" panose="020B0604020202020204" pitchFamily="34" charset="0"/>
-              <a:buChar char="•"/>
-            </a:pPr>
-            <a:r>
-              <a:rPr lang="en-GB" dirty="0" smtClean="0"/>
-              <a:t>PWC </a:t>
-            </a:r>
-            <a:r>
-              <a:rPr lang="en-GB" dirty="0"/>
-              <a:t>carried out an excellent piece work, being the 2015 Information security breaches survey, regarding the UK. I feel that this study is very credible as it is backed by the UK government and </a:t>
-            </a:r>
-            <a:r>
-              <a:rPr lang="en-GB" dirty="0" smtClean="0"/>
-              <a:t>had </a:t>
-            </a:r>
-            <a:r>
-              <a:rPr lang="en-GB" dirty="0"/>
-              <a:t>644 respondents. </a:t>
-            </a:r>
-            <a:endParaRPr lang="en-GB" dirty="0" smtClean="0"/>
-          </a:p>
-          <a:p>
-            <a:pPr marL="285750" lvl="0" indent="-285750">
-              <a:buFont typeface="Arial" panose="020B0604020202020204" pitchFamily="34" charset="0"/>
-              <a:buChar char="•"/>
-            </a:pPr>
-            <a:endParaRPr lang="en-GB" dirty="0"/>
-          </a:p>
-          <a:p>
-            <a:pPr marL="285750" lvl="0" indent="-285750">
-              <a:buFont typeface="Arial" panose="020B0604020202020204" pitchFamily="34" charset="0"/>
-              <a:buChar char="•"/>
-            </a:pPr>
-            <a:r>
-              <a:rPr lang="en-GB" dirty="0" smtClean="0"/>
-              <a:t>The </a:t>
-            </a:r>
-            <a:r>
-              <a:rPr lang="en-GB" dirty="0"/>
-              <a:t>2016 Cost of Data Breach Study: United States carried out by Ponemon Institute LLC gains some valuable insights also. However, I </a:t>
-            </a:r>
-            <a:r>
-              <a:rPr lang="en-GB" dirty="0" smtClean="0"/>
-              <a:t>did not </a:t>
-            </a:r>
-            <a:r>
-              <a:rPr lang="en-GB" dirty="0"/>
-              <a:t>think it </a:t>
-            </a:r>
-            <a:r>
-              <a:rPr lang="en-GB" dirty="0" smtClean="0"/>
-              <a:t>would be </a:t>
-            </a:r>
-            <a:r>
-              <a:rPr lang="en-GB" dirty="0"/>
-              <a:t>accurate to draw conclusions from a study involving 64 companies. </a:t>
-            </a:r>
-            <a:endParaRPr lang="en-GB" dirty="0" smtClean="0"/>
-          </a:p>
-          <a:p>
-            <a:pPr marL="285750" lvl="0" indent="-285750">
-              <a:buFont typeface="Arial" panose="020B0604020202020204" pitchFamily="34" charset="0"/>
-              <a:buChar char="•"/>
-            </a:pPr>
-            <a:endParaRPr lang="en-GB" dirty="0"/>
-          </a:p>
-          <a:p>
-            <a:pPr marL="285750" indent="-285750">
-              <a:buFont typeface="Arial" panose="020B0604020202020204" pitchFamily="34" charset="0"/>
-              <a:buChar char="•"/>
-            </a:pPr>
-            <a:r>
-              <a:rPr lang="en-GB" dirty="0"/>
-              <a:t>According to last years’ Internet Security Report, 60% of all target attacks involved SMEs. </a:t>
-            </a:r>
-            <a:r>
-              <a:rPr lang="en-GB" dirty="0" smtClean="0"/>
-              <a:t> Also Ponemon </a:t>
-            </a:r>
-            <a:r>
-              <a:rPr lang="en-GB" dirty="0"/>
-              <a:t>Institute’s Cost of Data Breach Study revealed that in 2014 the average cost of attack for an SME with less than 100 employees was a massive $3.5 million. </a:t>
-            </a:r>
-          </a:p>
-          <a:p>
-            <a:pPr marL="285750" lvl="0" indent="-285750">
-              <a:buFont typeface="Arial" panose="020B0604020202020204" pitchFamily="34" charset="0"/>
-              <a:buChar char="•"/>
-            </a:pPr>
-            <a:endParaRPr lang="en-GB" dirty="0"/>
-          </a:p>
-        </p:txBody>
-      </p:sp>
     </p:spTree>
     <p:extLst>
       <p:ext uri="{BB962C8B-B14F-4D97-AF65-F5344CB8AC3E}">
-        <p14:creationId xmlns:p14="http://schemas.microsoft.com/office/powerpoint/2010/main" val="8170478"/>
+        <p14:creationId xmlns:p14="http://schemas.microsoft.com/office/powerpoint/2010/main" val="3387920238"/>
       </p:ext>
     </p:extLst>
   </p:cSld>
@@ -4652,16 +5365,37 @@
           <a:chExt cx="0" cy="0"/>
         </a:xfrm>
       </p:grpSpPr>
+      <p:sp>
+        <p:nvSpPr>
+          <p:cNvPr id="2" name="Title 1"/>
+          <p:cNvSpPr>
+            <a:spLocks noGrp="1"/>
+          </p:cNvSpPr>
+          <p:nvPr>
+            <p:ph type="title"/>
+          </p:nvPr>
+        </p:nvSpPr>
+        <p:spPr/>
+        <p:txBody>
+          <a:bodyPr/>
+          <a:lstStyle/>
+          <a:p>
+            <a:endParaRPr lang="en-GB"/>
+          </a:p>
+        </p:txBody>
+      </p:sp>
       <p:pic>
         <p:nvPicPr>
-          <p:cNvPr id="4" name="Picture 3"/>
+          <p:cNvPr id="4" name="Content Placeholder 3"/>
           <p:cNvPicPr>
-            <a:picLocks noChangeAspect="1"/>
+            <a:picLocks noGrp="1" noChangeAspect="1"/>
           </p:cNvPicPr>
-          <p:nvPr/>
+          <p:nvPr>
+            <p:ph idx="1"/>
+          </p:nvPr>
         </p:nvPicPr>
         <p:blipFill>
-          <a:blip r:embed="rId2">
+          <a:blip r:embed="rId2" cstate="print">
             <a:extLst>
               <a:ext uri="{28A0092B-C50C-407E-A947-70E740481C1C}">
                 <a14:useLocalDpi xmlns:a14="http://schemas.microsoft.com/office/drawing/2010/main" val="0"/>
@@ -4674,238 +5408,15 @@
         </p:blipFill>
         <p:spPr>
           <a:xfrm>
-            <a:off x="0" y="0"/>
-            <a:ext cx="12192000" cy="6858000"/>
+            <a:off x="87922" y="92319"/>
+            <a:ext cx="12027877" cy="6765681"/>
           </a:xfrm>
-          <a:prstGeom prst="rect">
-            <a:avLst/>
-          </a:prstGeom>
         </p:spPr>
       </p:pic>
-      <p:sp>
-        <p:nvSpPr>
-          <p:cNvPr id="5" name="TextBox 4"/>
-          <p:cNvSpPr txBox="1"/>
-          <p:nvPr/>
-        </p:nvSpPr>
-        <p:spPr>
-          <a:xfrm>
-            <a:off x="781235" y="452761"/>
-            <a:ext cx="3932808" cy="523220"/>
-          </a:xfrm>
-          <a:prstGeom prst="rect">
-            <a:avLst/>
-          </a:prstGeom>
-          <a:noFill/>
-        </p:spPr>
-        <p:txBody>
-          <a:bodyPr wrap="square" rtlCol="0">
-            <a:spAutoFit/>
-          </a:bodyPr>
-          <a:lstStyle/>
-          <a:p>
-            <a:r>
-              <a:rPr lang="en-GB" sz="2800" b="1" dirty="0" smtClean="0">
-                <a:latin typeface="Futura LT Pro Book" panose="020B0502020204020303" pitchFamily="34" charset="0"/>
-              </a:rPr>
-              <a:t>CLIC</a:t>
-            </a:r>
-            <a:endParaRPr lang="en-GB" sz="2800" b="1" dirty="0">
-              <a:latin typeface="Futura LT Pro Book" panose="020B0502020204020303" pitchFamily="34" charset="0"/>
-            </a:endParaRPr>
-          </a:p>
-        </p:txBody>
-      </p:sp>
-      <p:sp>
-        <p:nvSpPr>
-          <p:cNvPr id="6" name="TextBox 5"/>
-          <p:cNvSpPr txBox="1"/>
-          <p:nvPr/>
-        </p:nvSpPr>
-        <p:spPr>
-          <a:xfrm>
-            <a:off x="781235" y="1589104"/>
-            <a:ext cx="8336132" cy="4247317"/>
-          </a:xfrm>
-          <a:prstGeom prst="rect">
-            <a:avLst/>
-          </a:prstGeom>
-          <a:noFill/>
-        </p:spPr>
-        <p:txBody>
-          <a:bodyPr wrap="square" rtlCol="0">
-            <a:spAutoFit/>
-          </a:bodyPr>
-          <a:lstStyle/>
-          <a:p>
-            <a:pPr marL="285750" lvl="0" indent="-285750">
-              <a:buFont typeface="Arial" panose="020B0604020202020204" pitchFamily="34" charset="0"/>
-              <a:buChar char="•"/>
-            </a:pPr>
-            <a:r>
-              <a:rPr lang="en-GB" dirty="0" smtClean="0"/>
-              <a:t>Came across cyber-liability insurance cover </a:t>
-            </a:r>
-            <a:r>
-              <a:rPr lang="en-GB" dirty="0"/>
-              <a:t>offered by </a:t>
-            </a:r>
-            <a:r>
-              <a:rPr lang="en-GB" dirty="0" smtClean="0"/>
-              <a:t>Lloyd’s.</a:t>
-            </a:r>
-          </a:p>
-          <a:p>
-            <a:pPr marL="285750" lvl="0" indent="-285750">
-              <a:buFont typeface="Arial" panose="020B0604020202020204" pitchFamily="34" charset="0"/>
-              <a:buChar char="•"/>
-            </a:pPr>
-            <a:endParaRPr lang="en-GB" dirty="0"/>
-          </a:p>
-          <a:p>
-            <a:pPr marL="285750" lvl="0" indent="-285750">
-              <a:buFont typeface="Arial" panose="020B0604020202020204" pitchFamily="34" charset="0"/>
-              <a:buChar char="•"/>
-            </a:pPr>
-            <a:r>
-              <a:rPr lang="en-GB" dirty="0" smtClean="0"/>
-              <a:t>Puts </a:t>
-            </a:r>
-            <a:r>
-              <a:rPr lang="en-GB" dirty="0"/>
-              <a:t>retail and finance </a:t>
-            </a:r>
-            <a:r>
-              <a:rPr lang="en-GB" dirty="0" smtClean="0"/>
-              <a:t>in </a:t>
-            </a:r>
-            <a:r>
-              <a:rPr lang="en-GB" dirty="0"/>
-              <a:t>the higher risk bracket. </a:t>
-            </a:r>
-            <a:endParaRPr lang="en-GB" dirty="0" smtClean="0"/>
-          </a:p>
-          <a:p>
-            <a:pPr marL="285750" lvl="0" indent="-285750">
-              <a:buFont typeface="Arial" panose="020B0604020202020204" pitchFamily="34" charset="0"/>
-              <a:buChar char="•"/>
-            </a:pPr>
-            <a:endParaRPr lang="en-GB" dirty="0"/>
-          </a:p>
-          <a:p>
-            <a:pPr marL="285750" lvl="0" indent="-285750">
-              <a:buFont typeface="Arial" panose="020B0604020202020204" pitchFamily="34" charset="0"/>
-              <a:buChar char="•"/>
-            </a:pPr>
-            <a:r>
-              <a:rPr lang="en-GB" dirty="0" smtClean="0"/>
-              <a:t>The </a:t>
-            </a:r>
-            <a:r>
-              <a:rPr lang="en-GB" dirty="0"/>
-              <a:t>risk associated is derived from the technology and regulation around privacy. </a:t>
-            </a:r>
-            <a:r>
-              <a:rPr lang="en-GB" dirty="0" smtClean="0"/>
-              <a:t>Both constantly </a:t>
-            </a:r>
-            <a:r>
-              <a:rPr lang="en-GB" dirty="0"/>
-              <a:t>changing, therefore the solutions provided via insurance need to be able to evolve</a:t>
-            </a:r>
-            <a:r>
-              <a:rPr lang="en-GB" dirty="0" smtClean="0"/>
-              <a:t>.</a:t>
-            </a:r>
-          </a:p>
-          <a:p>
-            <a:pPr marL="285750" lvl="0" indent="-285750">
-              <a:buFont typeface="Arial" panose="020B0604020202020204" pitchFamily="34" charset="0"/>
-              <a:buChar char="•"/>
-            </a:pPr>
-            <a:endParaRPr lang="en-GB" dirty="0"/>
-          </a:p>
-          <a:p>
-            <a:pPr marL="285750" lvl="0" indent="-285750">
-              <a:buFont typeface="Arial" panose="020B0604020202020204" pitchFamily="34" charset="0"/>
-              <a:buChar char="•"/>
-            </a:pPr>
-            <a:r>
-              <a:rPr lang="en-GB" dirty="0" smtClean="0"/>
-              <a:t>CLIC </a:t>
-            </a:r>
-            <a:r>
-              <a:rPr lang="en-GB" dirty="0"/>
-              <a:t>has been </a:t>
-            </a:r>
-            <a:r>
-              <a:rPr lang="en-GB" dirty="0" smtClean="0"/>
-              <a:t>present for over </a:t>
-            </a:r>
-            <a:r>
-              <a:rPr lang="en-GB" dirty="0"/>
-              <a:t>10 </a:t>
-            </a:r>
-            <a:r>
-              <a:rPr lang="en-GB" dirty="0" smtClean="0"/>
-              <a:t>years, but many </a:t>
-            </a:r>
-            <a:r>
-              <a:rPr lang="en-GB" dirty="0"/>
-              <a:t>insurers that </a:t>
-            </a:r>
-            <a:r>
-              <a:rPr lang="en-GB" dirty="0" smtClean="0"/>
-              <a:t>offer </a:t>
-            </a:r>
-            <a:r>
-              <a:rPr lang="en-GB" dirty="0"/>
-              <a:t>it have not sold a single </a:t>
-            </a:r>
-            <a:r>
-              <a:rPr lang="en-GB" dirty="0" smtClean="0"/>
-              <a:t>policy.</a:t>
-            </a:r>
-          </a:p>
-          <a:p>
-            <a:pPr marL="285750" lvl="0" indent="-285750">
-              <a:buFont typeface="Arial" panose="020B0604020202020204" pitchFamily="34" charset="0"/>
-              <a:buChar char="•"/>
-            </a:pPr>
-            <a:endParaRPr lang="en-GB" dirty="0" smtClean="0"/>
-          </a:p>
-          <a:p>
-            <a:pPr marL="285750" lvl="0" indent="-285750">
-              <a:buFont typeface="Arial" panose="020B0604020202020204" pitchFamily="34" charset="0"/>
-              <a:buChar char="•"/>
-            </a:pPr>
-            <a:r>
-              <a:rPr lang="en-GB" dirty="0"/>
-              <a:t>I</a:t>
-            </a:r>
-            <a:r>
-              <a:rPr lang="en-GB" dirty="0" smtClean="0"/>
-              <a:t>n </a:t>
-            </a:r>
-            <a:r>
-              <a:rPr lang="en-GB" dirty="0"/>
-              <a:t>many </a:t>
-            </a:r>
-            <a:r>
-              <a:rPr lang="en-GB" dirty="0" smtClean="0"/>
-              <a:t>cases, insurers </a:t>
-            </a:r>
-            <a:r>
-              <a:rPr lang="en-GB" dirty="0"/>
-              <a:t>may not have understood the risk that they were actually taking on – this has been very much to do with both the lack of data for underwriting and the lack of knowledge by consumers to understand the risk transference benefits. </a:t>
-            </a:r>
-          </a:p>
-        </p:txBody>
-      </p:sp>
     </p:spTree>
     <p:extLst>
       <p:ext uri="{BB962C8B-B14F-4D97-AF65-F5344CB8AC3E}">
-        <p14:creationId xmlns:p14="http://schemas.microsoft.com/office/powerpoint/2010/main" val="2091526586"/>
+        <p14:creationId xmlns:p14="http://schemas.microsoft.com/office/powerpoint/2010/main" val="549976773"/>
       </p:ext>
     </p:extLst>
   </p:cSld>
@@ -4932,16 +5443,37 @@
           <a:chExt cx="0" cy="0"/>
         </a:xfrm>
       </p:grpSpPr>
+      <p:sp>
+        <p:nvSpPr>
+          <p:cNvPr id="2" name="Title 1"/>
+          <p:cNvSpPr>
+            <a:spLocks noGrp="1"/>
+          </p:cNvSpPr>
+          <p:nvPr>
+            <p:ph type="title"/>
+          </p:nvPr>
+        </p:nvSpPr>
+        <p:spPr/>
+        <p:txBody>
+          <a:bodyPr/>
+          <a:lstStyle/>
+          <a:p>
+            <a:endParaRPr lang="en-GB"/>
+          </a:p>
+        </p:txBody>
+      </p:sp>
       <p:pic>
         <p:nvPicPr>
-          <p:cNvPr id="4" name="Picture 3"/>
+          <p:cNvPr id="4" name="Content Placeholder 3"/>
           <p:cNvPicPr>
-            <a:picLocks noChangeAspect="1"/>
+            <a:picLocks noGrp="1" noChangeAspect="1"/>
           </p:cNvPicPr>
-          <p:nvPr/>
+          <p:nvPr>
+            <p:ph idx="1"/>
+          </p:nvPr>
         </p:nvPicPr>
         <p:blipFill>
-          <a:blip r:embed="rId2">
+          <a:blip r:embed="rId2" cstate="print">
             <a:extLst>
               <a:ext uri="{28A0092B-C50C-407E-A947-70E740481C1C}">
                 <a14:useLocalDpi xmlns:a14="http://schemas.microsoft.com/office/drawing/2010/main" val="0"/>
@@ -4954,206 +5486,15 @@
         </p:blipFill>
         <p:spPr>
           <a:xfrm>
-            <a:off x="0" y="0"/>
-            <a:ext cx="12192000" cy="6858000"/>
+            <a:off x="105507" y="156613"/>
+            <a:ext cx="11913577" cy="6701387"/>
           </a:xfrm>
-          <a:prstGeom prst="rect">
-            <a:avLst/>
-          </a:prstGeom>
         </p:spPr>
       </p:pic>
-      <p:sp>
-        <p:nvSpPr>
-          <p:cNvPr id="5" name="TextBox 4"/>
-          <p:cNvSpPr txBox="1"/>
-          <p:nvPr/>
-        </p:nvSpPr>
-        <p:spPr>
-          <a:xfrm>
-            <a:off x="781235" y="452761"/>
-            <a:ext cx="3932808" cy="523220"/>
-          </a:xfrm>
-          <a:prstGeom prst="rect">
-            <a:avLst/>
-          </a:prstGeom>
-          <a:noFill/>
-        </p:spPr>
-        <p:txBody>
-          <a:bodyPr wrap="square" rtlCol="0">
-            <a:spAutoFit/>
-          </a:bodyPr>
-          <a:lstStyle/>
-          <a:p>
-            <a:r>
-              <a:rPr lang="en-GB" sz="2800" b="1" dirty="0" smtClean="0">
-                <a:latin typeface="Futura LT Pro Book" panose="020B0502020204020303" pitchFamily="34" charset="0"/>
-              </a:rPr>
-              <a:t>Helping SMEs </a:t>
-            </a:r>
-            <a:endParaRPr lang="en-GB" sz="2800" b="1" dirty="0">
-              <a:latin typeface="Futura LT Pro Book" panose="020B0502020204020303" pitchFamily="34" charset="0"/>
-            </a:endParaRPr>
-          </a:p>
-        </p:txBody>
-      </p:sp>
-      <p:sp>
-        <p:nvSpPr>
-          <p:cNvPr id="6" name="TextBox 5"/>
-          <p:cNvSpPr txBox="1"/>
-          <p:nvPr/>
-        </p:nvSpPr>
-        <p:spPr>
-          <a:xfrm>
-            <a:off x="781235" y="1589104"/>
-            <a:ext cx="8336132" cy="4985980"/>
-          </a:xfrm>
-          <a:prstGeom prst="rect">
-            <a:avLst/>
-          </a:prstGeom>
-          <a:noFill/>
-        </p:spPr>
-        <p:txBody>
-          <a:bodyPr wrap="square" rtlCol="0">
-            <a:spAutoFit/>
-          </a:bodyPr>
-          <a:lstStyle/>
-          <a:p>
-            <a:pPr marL="285750" indent="-285750">
-              <a:buFont typeface="Arial" panose="020B0604020202020204" pitchFamily="34" charset="0"/>
-              <a:buChar char="•"/>
-            </a:pPr>
-            <a:r>
-              <a:rPr lang="en-GB" dirty="0"/>
-              <a:t>For small and medium-sized </a:t>
-            </a:r>
-            <a:r>
-              <a:rPr lang="en-GB" dirty="0" smtClean="0"/>
-              <a:t>enterprises, there </a:t>
-            </a:r>
-            <a:r>
-              <a:rPr lang="en-GB" dirty="0"/>
-              <a:t>are very simple policies available, but sometimes these raise more questions than they </a:t>
-            </a:r>
-            <a:r>
-              <a:rPr lang="en-GB" dirty="0" smtClean="0"/>
-              <a:t>answer.</a:t>
-            </a:r>
-          </a:p>
-          <a:p>
-            <a:pPr marL="285750" indent="-285750">
-              <a:buFont typeface="Arial" panose="020B0604020202020204" pitchFamily="34" charset="0"/>
-              <a:buChar char="•"/>
-            </a:pPr>
-            <a:endParaRPr lang="en-GB" dirty="0" smtClean="0"/>
-          </a:p>
-          <a:p>
-            <a:pPr marL="285750" indent="-285750">
-              <a:buFont typeface="Arial" panose="020B0604020202020204" pitchFamily="34" charset="0"/>
-              <a:buChar char="•"/>
-            </a:pPr>
-            <a:r>
-              <a:rPr lang="en-GB" dirty="0" smtClean="0"/>
-              <a:t>They </a:t>
-            </a:r>
-            <a:r>
-              <a:rPr lang="en-GB" dirty="0"/>
-              <a:t>do not always provide a long list of exclusions or terms and definitions. At least with detailed polices you should know where you stand</a:t>
-            </a:r>
-            <a:r>
-              <a:rPr lang="en-GB" dirty="0" smtClean="0"/>
-              <a:t>.</a:t>
-            </a:r>
-          </a:p>
-          <a:p>
-            <a:pPr marL="285750" indent="-285750">
-              <a:buFont typeface="Arial" panose="020B0604020202020204" pitchFamily="34" charset="0"/>
-              <a:buChar char="•"/>
-            </a:pPr>
-            <a:endParaRPr lang="en-GB" dirty="0"/>
-          </a:p>
-          <a:p>
-            <a:pPr marL="285750" indent="-285750">
-              <a:buFont typeface="Arial" panose="020B0604020202020204" pitchFamily="34" charset="0"/>
-              <a:buChar char="•"/>
-            </a:pPr>
-            <a:r>
-              <a:rPr lang="en-GB" dirty="0" smtClean="0"/>
-              <a:t>Think there is potential to offer a more detailed policy, by providing a data-driven product. </a:t>
-            </a:r>
-          </a:p>
-          <a:p>
-            <a:pPr marL="285750" indent="-285750">
-              <a:buFont typeface="Arial" panose="020B0604020202020204" pitchFamily="34" charset="0"/>
-              <a:buChar char="•"/>
-            </a:pPr>
-            <a:endParaRPr lang="en-GB" dirty="0" smtClean="0"/>
-          </a:p>
-          <a:p>
-            <a:pPr marL="285750" indent="-285750">
-              <a:buFont typeface="Arial" panose="020B0604020202020204" pitchFamily="34" charset="0"/>
-              <a:buChar char="•"/>
-            </a:pPr>
-            <a:r>
-              <a:rPr lang="en-GB" dirty="0"/>
-              <a:t>Insider threat needs to be looked at with a more detailed approach. Need to look at security, engagement and productivity. </a:t>
-            </a:r>
-          </a:p>
-          <a:p>
-            <a:pPr marL="285750" indent="-285750">
-              <a:buFont typeface="Arial" panose="020B0604020202020204" pitchFamily="34" charset="0"/>
-              <a:buChar char="•"/>
-            </a:pPr>
-            <a:endParaRPr lang="en-GB" dirty="0"/>
-          </a:p>
-          <a:p>
-            <a:pPr marL="285750" indent="-285750">
-              <a:buFont typeface="Arial" panose="020B0604020202020204" pitchFamily="34" charset="0"/>
-              <a:buChar char="•"/>
-            </a:pPr>
-            <a:r>
-              <a:rPr lang="en-GB" dirty="0" smtClean="0"/>
-              <a:t>Need to complete a thorough study similar to PWC, showing how the level of threat varies across industry. </a:t>
-            </a:r>
-          </a:p>
-          <a:p>
-            <a:pPr marL="285750" indent="-285750">
-              <a:buFont typeface="Arial" panose="020B0604020202020204" pitchFamily="34" charset="0"/>
-              <a:buChar char="•"/>
-            </a:pPr>
-            <a:endParaRPr lang="en-GB" dirty="0"/>
-          </a:p>
-          <a:p>
-            <a:pPr marL="285750" indent="-285750">
-              <a:buFont typeface="Arial" panose="020B0604020202020204" pitchFamily="34" charset="0"/>
-              <a:buChar char="•"/>
-            </a:pPr>
-            <a:endParaRPr lang="en-GB" dirty="0"/>
-          </a:p>
-          <a:p>
-            <a:pPr marL="285750" indent="-285750">
-              <a:buFont typeface="Arial" panose="020B0604020202020204" pitchFamily="34" charset="0"/>
-              <a:buChar char="•"/>
-            </a:pPr>
-            <a:endParaRPr lang="en-GB" dirty="0" smtClean="0"/>
-          </a:p>
-          <a:p>
-            <a:pPr marL="285750" indent="-285750">
-              <a:buFont typeface="Arial" panose="020B0604020202020204" pitchFamily="34" charset="0"/>
-              <a:buChar char="•"/>
-            </a:pPr>
-            <a:endParaRPr lang="en-GB" sz="1200" dirty="0" smtClean="0">
-              <a:solidFill>
-                <a:srgbClr val="C00000"/>
-              </a:solidFill>
-              <a:latin typeface="Futura LT Pro Book" panose="020B0502020204020303" pitchFamily="34" charset="0"/>
-            </a:endParaRPr>
-          </a:p>
-        </p:txBody>
-      </p:sp>
     </p:spTree>
     <p:extLst>
       <p:ext uri="{BB962C8B-B14F-4D97-AF65-F5344CB8AC3E}">
-        <p14:creationId xmlns:p14="http://schemas.microsoft.com/office/powerpoint/2010/main" val="2558556397"/>
+        <p14:creationId xmlns:p14="http://schemas.microsoft.com/office/powerpoint/2010/main" val="57989400"/>
       </p:ext>
     </p:extLst>
   </p:cSld>
@@ -5637,15 +5978,15 @@
 <file path=customXml/itemProps1.xml><?xml version="1.0" encoding="utf-8"?>
 <ds:datastoreItem xmlns:ds="http://schemas.openxmlformats.org/officeDocument/2006/customXml" ds:itemID="{E70240B2-43E8-4CC3-B18F-D7358AF89F87}">
   <ds:schemaRefs>
+    <ds:schemaRef ds:uri="http://purl.org/dc/terms/"/>
     <ds:schemaRef ds:uri="http://www.w3.org/XML/1998/namespace"/>
+    <ds:schemaRef ds:uri="http://purl.org/dc/dcmitype/"/>
     <ds:schemaRef ds:uri="http://schemas.microsoft.com/office/2006/documentManagement/types"/>
     <ds:schemaRef ds:uri="http://purl.org/dc/elements/1.1/"/>
+    <ds:schemaRef ds:uri="http://schemas.microsoft.com/office/2006/metadata/properties"/>
+    <ds:schemaRef ds:uri="http://schemas.openxmlformats.org/package/2006/metadata/core-properties"/>
+    <ds:schemaRef ds:uri="http://schemas.microsoft.com/office/infopath/2007/PartnerControls"/>
     <ds:schemaRef ds:uri="f0fe54f3-626d-4641-b999-3a74c786a6d6"/>
-    <ds:schemaRef ds:uri="http://purl.org/dc/dcmitype/"/>
-    <ds:schemaRef ds:uri="http://purl.org/dc/terms/"/>
-    <ds:schemaRef ds:uri="http://schemas.microsoft.com/office/2006/metadata/properties"/>
-    <ds:schemaRef ds:uri="http://schemas.microsoft.com/office/infopath/2007/PartnerControls"/>
-    <ds:schemaRef ds:uri="http://schemas.openxmlformats.org/package/2006/metadata/core-properties"/>
   </ds:schemaRefs>
 </ds:datastoreItem>
 </file>
